--- a/Slides/1 - Introducing React.pptx
+++ b/Slides/1 - Introducing React.pptx
@@ -1032,6 +1032,13 @@
     <dgm:pt modelId="{69814B6E-35A6-4E4D-B40F-8BF4AE8EFD69}">
       <dgm:prSet phldrT="[Text]"/>
       <dgm:spPr/>
+      <dgm:t>
+        <a:bodyPr/>
+        <a:lstStyle/>
+        <a:p>
+          <a:endParaRPr lang="en-US"/>
+        </a:p>
+      </dgm:t>
     </dgm:pt>
     <dgm:pt modelId="{0A597D6C-0014-48AE-B5DB-1EDD421CFF8B}" type="parTrans" cxnId="{7E0929D7-899F-4608-A207-64700137A60D}">
       <dgm:prSet/>
@@ -1329,17 +1336,17 @@
     </dgm:pt>
   </dgm:ptLst>
   <dgm:cxnLst>
+    <dgm:cxn modelId="{47F95022-A229-40C4-8D00-538C38F6C279}" type="presOf" srcId="{C90838C1-F946-4835-B599-1728B89E95C8}" destId="{160A7413-8143-4390-8BA1-75AF0C7C357D}" srcOrd="0" destOrd="0" presId="urn:microsoft.com/office/officeart/2005/8/layout/arrow2"/>
+    <dgm:cxn modelId="{6B082F8A-9D20-4B1D-9C4B-331C3F476648}" srcId="{59606DBD-3D0B-411F-8482-7E618843941F}" destId="{C90838C1-F946-4835-B599-1728B89E95C8}" srcOrd="3" destOrd="0" parTransId="{4CDEAA0B-53B5-442D-89D9-CF9DEC5DEA10}" sibTransId="{7A1F0F7D-D7F4-4DDA-A266-45FACAC65662}"/>
+    <dgm:cxn modelId="{485C9998-438A-4486-925B-1A031032386B}" type="presOf" srcId="{6A572E21-3A1C-4EEE-9A98-6F92230DE39F}" destId="{5CE69215-2406-46CC-9235-6658DD6B61CA}" srcOrd="0" destOrd="0" presId="urn:microsoft.com/office/officeart/2005/8/layout/arrow2"/>
+    <dgm:cxn modelId="{051B6502-591E-46F7-8F98-180881047333}" srcId="{59606DBD-3D0B-411F-8482-7E618843941F}" destId="{A83637F0-5681-4374-8ECE-2D29943F8621}" srcOrd="4" destOrd="0" parTransId="{86654439-FDC6-4CD1-B01E-A24EFBA7D247}" sibTransId="{BFA7A3B8-7F49-46CF-8917-8736BDD5E613}"/>
+    <dgm:cxn modelId="{BF976A5F-ADCD-474C-B66E-D229D9A9DD85}" type="presOf" srcId="{79114AEF-0CFD-414D-8EA9-02C9A5CB60B7}" destId="{03396D34-FFD6-4494-9BB1-FA7713204F26}" srcOrd="0" destOrd="0" presId="urn:microsoft.com/office/officeart/2005/8/layout/arrow2"/>
+    <dgm:cxn modelId="{D1835730-ADD1-4337-9D7F-B63FA5030B66}" type="presOf" srcId="{59606DBD-3D0B-411F-8482-7E618843941F}" destId="{474B8229-B642-4BA5-990D-122E5987711B}" srcOrd="0" destOrd="0" presId="urn:microsoft.com/office/officeart/2005/8/layout/arrow2"/>
+    <dgm:cxn modelId="{82ADAA40-4052-490B-A21D-1334CCBA52A4}" srcId="{59606DBD-3D0B-411F-8482-7E618843941F}" destId="{79114AEF-0CFD-414D-8EA9-02C9A5CB60B7}" srcOrd="2" destOrd="0" parTransId="{CB454C5D-A836-48A4-AD23-6897D54A68B8}" sibTransId="{873EAF95-36BB-43D1-A51F-9AC1A8D10480}"/>
+    <dgm:cxn modelId="{7ACE2438-CB3A-416C-AA5A-6445C6D3A7A1}" srcId="{59606DBD-3D0B-411F-8482-7E618843941F}" destId="{9D7CA6F3-A0EF-45A2-BC68-E02C6E0A897D}" srcOrd="1" destOrd="0" parTransId="{1C5E870F-E672-4329-A8AC-7EA462C69E24}" sibTransId="{2E3F8D2D-CE41-4167-B419-F18022452F8D}"/>
+    <dgm:cxn modelId="{7E0929D7-899F-4608-A207-64700137A60D}" srcId="{59606DBD-3D0B-411F-8482-7E618843941F}" destId="{69814B6E-35A6-4E4D-B40F-8BF4AE8EFD69}" srcOrd="5" destOrd="0" parTransId="{0A597D6C-0014-48AE-B5DB-1EDD421CFF8B}" sibTransId="{3C74D518-4183-48E6-B0B1-765C603E5440}"/>
+    <dgm:cxn modelId="{F44E27EE-01DB-46B3-9043-DEBC2EAE625D}" srcId="{59606DBD-3D0B-411F-8482-7E618843941F}" destId="{6A572E21-3A1C-4EEE-9A98-6F92230DE39F}" srcOrd="0" destOrd="0" parTransId="{32BF7B16-AABE-4447-AA4A-9A986FCAB664}" sibTransId="{1B25DD85-5384-4517-AED8-AA6CD7F9FA07}"/>
     <dgm:cxn modelId="{D18A3DA7-A452-4C92-8B42-EE7C131444C4}" type="presOf" srcId="{9D7CA6F3-A0EF-45A2-BC68-E02C6E0A897D}" destId="{C340CE4D-4FD3-4958-8FC9-F5A12180FF69}" srcOrd="0" destOrd="0" presId="urn:microsoft.com/office/officeart/2005/8/layout/arrow2"/>
-    <dgm:cxn modelId="{47F95022-A229-40C4-8D00-538C38F6C279}" type="presOf" srcId="{C90838C1-F946-4835-B599-1728B89E95C8}" destId="{160A7413-8143-4390-8BA1-75AF0C7C357D}" srcOrd="0" destOrd="0" presId="urn:microsoft.com/office/officeart/2005/8/layout/arrow2"/>
-    <dgm:cxn modelId="{7ACE2438-CB3A-416C-AA5A-6445C6D3A7A1}" srcId="{59606DBD-3D0B-411F-8482-7E618843941F}" destId="{9D7CA6F3-A0EF-45A2-BC68-E02C6E0A897D}" srcOrd="1" destOrd="0" parTransId="{1C5E870F-E672-4329-A8AC-7EA462C69E24}" sibTransId="{2E3F8D2D-CE41-4167-B419-F18022452F8D}"/>
-    <dgm:cxn modelId="{D1835730-ADD1-4337-9D7F-B63FA5030B66}" type="presOf" srcId="{59606DBD-3D0B-411F-8482-7E618843941F}" destId="{474B8229-B642-4BA5-990D-122E5987711B}" srcOrd="0" destOrd="0" presId="urn:microsoft.com/office/officeart/2005/8/layout/arrow2"/>
-    <dgm:cxn modelId="{7E0929D7-899F-4608-A207-64700137A60D}" srcId="{59606DBD-3D0B-411F-8482-7E618843941F}" destId="{69814B6E-35A6-4E4D-B40F-8BF4AE8EFD69}" srcOrd="5" destOrd="0" parTransId="{0A597D6C-0014-48AE-B5DB-1EDD421CFF8B}" sibTransId="{3C74D518-4183-48E6-B0B1-765C603E5440}"/>
-    <dgm:cxn modelId="{82ADAA40-4052-490B-A21D-1334CCBA52A4}" srcId="{59606DBD-3D0B-411F-8482-7E618843941F}" destId="{79114AEF-0CFD-414D-8EA9-02C9A5CB60B7}" srcOrd="2" destOrd="0" parTransId="{CB454C5D-A836-48A4-AD23-6897D54A68B8}" sibTransId="{873EAF95-36BB-43D1-A51F-9AC1A8D10480}"/>
-    <dgm:cxn modelId="{F44E27EE-01DB-46B3-9043-DEBC2EAE625D}" srcId="{59606DBD-3D0B-411F-8482-7E618843941F}" destId="{6A572E21-3A1C-4EEE-9A98-6F92230DE39F}" srcOrd="0" destOrd="0" parTransId="{32BF7B16-AABE-4447-AA4A-9A986FCAB664}" sibTransId="{1B25DD85-5384-4517-AED8-AA6CD7F9FA07}"/>
-    <dgm:cxn modelId="{485C9998-438A-4486-925B-1A031032386B}" type="presOf" srcId="{6A572E21-3A1C-4EEE-9A98-6F92230DE39F}" destId="{5CE69215-2406-46CC-9235-6658DD6B61CA}" srcOrd="0" destOrd="0" presId="urn:microsoft.com/office/officeart/2005/8/layout/arrow2"/>
-    <dgm:cxn modelId="{BF976A5F-ADCD-474C-B66E-D229D9A9DD85}" type="presOf" srcId="{79114AEF-0CFD-414D-8EA9-02C9A5CB60B7}" destId="{03396D34-FFD6-4494-9BB1-FA7713204F26}" srcOrd="0" destOrd="0" presId="urn:microsoft.com/office/officeart/2005/8/layout/arrow2"/>
-    <dgm:cxn modelId="{6B082F8A-9D20-4B1D-9C4B-331C3F476648}" srcId="{59606DBD-3D0B-411F-8482-7E618843941F}" destId="{C90838C1-F946-4835-B599-1728B89E95C8}" srcOrd="3" destOrd="0" parTransId="{4CDEAA0B-53B5-442D-89D9-CF9DEC5DEA10}" sibTransId="{7A1F0F7D-D7F4-4DDA-A266-45FACAC65662}"/>
-    <dgm:cxn modelId="{051B6502-591E-46F7-8F98-180881047333}" srcId="{59606DBD-3D0B-411F-8482-7E618843941F}" destId="{A83637F0-5681-4374-8ECE-2D29943F8621}" srcOrd="4" destOrd="0" parTransId="{86654439-FDC6-4CD1-B01E-A24EFBA7D247}" sibTransId="{BFA7A3B8-7F49-46CF-8917-8736BDD5E613}"/>
     <dgm:cxn modelId="{D05EAF01-B2DB-4FD0-82C0-F2249344296F}" type="presOf" srcId="{A83637F0-5681-4374-8ECE-2D29943F8621}" destId="{AC086E67-57C1-4A1C-8B03-6023B590D671}" srcOrd="0" destOrd="0" presId="urn:microsoft.com/office/officeart/2005/8/layout/arrow2"/>
     <dgm:cxn modelId="{AB3885C2-F01F-4D85-80D5-4839D2581541}" type="presParOf" srcId="{474B8229-B642-4BA5-990D-122E5987711B}" destId="{0BA82D91-A9CE-4EB3-B9C5-919667D573D7}" srcOrd="0" destOrd="0" presId="urn:microsoft.com/office/officeart/2005/8/layout/arrow2"/>
     <dgm:cxn modelId="{6BE3EEF5-29F2-41F7-B25C-B8777B11996C}" type="presParOf" srcId="{474B8229-B642-4BA5-990D-122E5987711B}" destId="{E04655E1-51E6-4CA7-8374-93C604957C21}" srcOrd="1" destOrd="0" presId="urn:microsoft.com/office/officeart/2005/8/layout/arrow2"/>
@@ -4761,7 +4768,7 @@
           <a:p>
             <a:fld id="{A9DDBD42-E139-45FA-9C16-1611187CAC3F}" type="datetimeFigureOut">
               <a:rPr lang="en-US" smtClean="0"/>
-              <a:t>10/17/2015</a:t>
+              <a:t>10/19/2015</a:t>
             </a:fld>
             <a:endParaRPr lang="en-US"/>
           </a:p>
@@ -8553,11 +8560,7 @@
           <a:p>
             <a:r>
               <a:rPr lang="en-US" sz="4000" dirty="0" smtClean="0"/>
-              <a:t>Introducing </a:t>
-            </a:r>
-            <a:r>
-              <a:rPr lang="en-US" sz="4000" dirty="0" smtClean="0"/>
-              <a:t>React.js</a:t>
+              <a:t>Introducing React.js</a:t>
             </a:r>
             <a:endParaRPr lang="en-US" sz="4000" dirty="0"/>
           </a:p>
@@ -8795,15 +8798,7 @@
           <a:p>
             <a:r>
               <a:rPr lang="en-US" dirty="0" smtClean="0"/>
-              <a:t>What </a:t>
-            </a:r>
-            <a:r>
-              <a:rPr lang="en-US" dirty="0" smtClean="0"/>
-              <a:t>React.js </a:t>
-            </a:r>
-            <a:r>
-              <a:rPr lang="en-US" dirty="0" smtClean="0"/>
-              <a:t>isn’t</a:t>
+              <a:t>What React.js isn’t</a:t>
             </a:r>
             <a:endParaRPr lang="en-US" dirty="0"/>
           </a:p>
@@ -8835,11 +8830,7 @@
           <a:p>
             <a:r>
               <a:rPr lang="en-US" dirty="0" smtClean="0"/>
-              <a:t>React </a:t>
-            </a:r>
-            <a:r>
-              <a:rPr lang="en-US" dirty="0" smtClean="0"/>
-              <a:t>doesn’t compete with jQuery</a:t>
+              <a:t>React doesn’t compete with jQuery</a:t>
             </a:r>
           </a:p>
           <a:p>
@@ -8983,15 +8974,7 @@
           <a:p>
             <a:r>
               <a:rPr lang="en-US" dirty="0" smtClean="0"/>
-              <a:t>What </a:t>
-            </a:r>
-            <a:r>
-              <a:rPr lang="en-US" dirty="0" smtClean="0"/>
-              <a:t>React.js </a:t>
-            </a:r>
-            <a:r>
-              <a:rPr lang="en-US" dirty="0" smtClean="0"/>
-              <a:t>isn’t</a:t>
+              <a:t>What React.js isn’t</a:t>
             </a:r>
             <a:endParaRPr lang="en-US" dirty="0"/>
           </a:p>
@@ -9023,11 +9006,7 @@
           <a:p>
             <a:r>
               <a:rPr lang="en-US" dirty="0" smtClean="0"/>
-              <a:t>React </a:t>
-            </a:r>
-            <a:r>
-              <a:rPr lang="en-US" dirty="0" smtClean="0"/>
-              <a:t>doesn’t compete with jQuery</a:t>
+              <a:t>React doesn’t compete with jQuery</a:t>
             </a:r>
           </a:p>
           <a:p>
@@ -9158,11 +9137,7 @@
           <a:p>
             <a:r>
               <a:rPr lang="en-US" dirty="0" smtClean="0"/>
-              <a:t>React.js </a:t>
-            </a:r>
-            <a:r>
-              <a:rPr lang="en-US" dirty="0" smtClean="0"/>
-              <a:t>concepts</a:t>
+              <a:t>React.js concepts</a:t>
             </a:r>
             <a:endParaRPr lang="en-US" dirty="0"/>
           </a:p>
@@ -9199,7 +9174,6 @@
               <a:rPr lang="en-US" dirty="0" smtClean="0"/>
               <a:t>Unidirectional Data Flow</a:t>
             </a:r>
-            <a:endParaRPr lang="en-US" dirty="0" smtClean="0"/>
           </a:p>
         </p:txBody>
       </p:sp>
@@ -9887,11 +9861,11 @@
   <p:clrMapOvr>
     <a:masterClrMapping/>
   </p:clrMapOvr>
-  <mc:AlternateContent xmlns:mc="http://schemas.openxmlformats.org/markup-compatibility/2006">
-    <mc:Choice xmlns:p14="http://schemas.microsoft.com/office/powerpoint/2010/main" Requires="p14">
+  <mc:AlternateContent xmlns:mc="http://schemas.openxmlformats.org/markup-compatibility/2006" xmlns:p14="http://schemas.microsoft.com/office/powerpoint/2010/main">
+    <mc:Choice Requires="p14">
       <p:transition spd="slow" p14:dur="2000"/>
     </mc:Choice>
-    <mc:Fallback>
+    <mc:Fallback xmlns="">
       <p:transition spd="slow"/>
     </mc:Fallback>
   </mc:AlternateContent>
@@ -9941,7 +9915,6 @@
               <a:rPr lang="en-US" dirty="0"/>
               <a:t>TODO: Make slides about components and unidirectional data flow</a:t>
             </a:r>
-            <a:endParaRPr lang="en-US" dirty="0"/>
           </a:p>
         </p:txBody>
       </p:sp>
@@ -10793,11 +10766,11 @@
   <p:clrMapOvr>
     <a:masterClrMapping/>
   </p:clrMapOvr>
-  <mc:AlternateContent xmlns:mc="http://schemas.openxmlformats.org/markup-compatibility/2006">
-    <mc:Choice xmlns:p14="http://schemas.microsoft.com/office/powerpoint/2010/main" Requires="p14">
+  <mc:AlternateContent xmlns:mc="http://schemas.openxmlformats.org/markup-compatibility/2006" xmlns:p14="http://schemas.microsoft.com/office/powerpoint/2010/main">
+    <mc:Choice Requires="p14">
       <p:transition spd="slow" p14:dur="2000"/>
     </mc:Choice>
-    <mc:Fallback>
+    <mc:Fallback xmlns="">
       <p:transition spd="slow"/>
     </mc:Fallback>
   </mc:AlternateContent>
@@ -11115,15 +11088,7 @@
           <a:p>
             <a:r>
               <a:rPr lang="en-CA" dirty="0" smtClean="0"/>
-              <a:t>Getting </a:t>
-            </a:r>
-            <a:r>
-              <a:rPr lang="en-CA" dirty="0" smtClean="0"/>
-              <a:t>React.js </a:t>
-            </a:r>
-            <a:r>
-              <a:rPr lang="en-CA" dirty="0" smtClean="0"/>
-              <a:t>with NuGet</a:t>
+              <a:t>Getting React.js with NuGet</a:t>
             </a:r>
             <a:endParaRPr lang="en-US" dirty="0"/>
           </a:p>
@@ -11183,15 +11148,7 @@
           <a:p>
             <a:r>
               <a:rPr lang="en-CA" dirty="0" smtClean="0"/>
-              <a:t>Getting </a:t>
-            </a:r>
-            <a:r>
-              <a:rPr lang="en-CA" dirty="0" smtClean="0"/>
-              <a:t>React.js </a:t>
-            </a:r>
-            <a:r>
-              <a:rPr lang="en-CA" dirty="0" smtClean="0"/>
-              <a:t>with Bower</a:t>
+              <a:t>Getting React.js with Bower</a:t>
             </a:r>
             <a:endParaRPr lang="en-US" dirty="0"/>
           </a:p>
@@ -11251,15 +11208,7 @@
           <a:p>
             <a:r>
               <a:rPr lang="en-CA" dirty="0" smtClean="0"/>
-              <a:t>Using </a:t>
-            </a:r>
-            <a:r>
-              <a:rPr lang="en-CA" dirty="0" smtClean="0"/>
-              <a:t>React.js </a:t>
-            </a:r>
-            <a:r>
-              <a:rPr lang="en-CA" dirty="0" smtClean="0"/>
-              <a:t>from CDN</a:t>
+              <a:t>Using React.js from CDN</a:t>
             </a:r>
             <a:endParaRPr lang="en-US" dirty="0"/>
           </a:p>
@@ -11319,11 +11268,7 @@
           <a:p>
             <a:r>
               <a:rPr lang="en-US" dirty="0" smtClean="0"/>
-              <a:t>Hello, </a:t>
-            </a:r>
-            <a:r>
-              <a:rPr lang="en-US" dirty="0" smtClean="0"/>
-              <a:t>React.js</a:t>
+              <a:t>Hello, React.js</a:t>
             </a:r>
             <a:endParaRPr lang="en-US" dirty="0"/>
           </a:p>
@@ -11402,11 +11347,7 @@
           <a:p>
             <a:r>
               <a:rPr lang="en-US" dirty="0" smtClean="0"/>
-              <a:t>Hello, </a:t>
-            </a:r>
-            <a:r>
-              <a:rPr lang="en-US" dirty="0" smtClean="0"/>
-              <a:t>React.js</a:t>
+              <a:t>Hello, React.js</a:t>
             </a:r>
             <a:endParaRPr lang="en-US" dirty="0"/>
           </a:p>
@@ -11937,7 +11878,7 @@
             <p:ph sz="quarter" idx="10"/>
             <p:extLst>
               <p:ext uri="{D42A27DB-BD31-4B8C-83A1-F6EECF244321}">
-                <p14:modId xmlns:p14="http://schemas.microsoft.com/office/powerpoint/2010/main" val="2870417669"/>
+                <p14:modId xmlns:p14="http://schemas.microsoft.com/office/powerpoint/2010/main" val="3806505291"/>
               </p:ext>
             </p:extLst>
           </p:nvPr>
@@ -11979,7 +11920,7 @@
                           <a:latin typeface="Segoe UI Light" panose="020B0502040204020203" pitchFamily="34" charset="0"/>
                           <a:cs typeface="Segoe UI Light" panose="020B0502040204020203" pitchFamily="34" charset="0"/>
                         </a:rPr>
-                        <a:t>Creating Dynamic Webpages With Knockout</a:t>
+                        <a:t>Creating Dynamic Webpages With React</a:t>
                       </a:r>
                       <a:endParaRPr lang="en-US" sz="3600" dirty="0">
                         <a:latin typeface="Segoe UI Light" panose="020B0502040204020203" pitchFamily="34" charset="0"/>
@@ -12016,14 +11957,7 @@
                           <a:latin typeface="Segoe UI Light" panose="020B0502040204020203" pitchFamily="34" charset="0"/>
                           <a:cs typeface="Segoe UI Light" panose="020B0502040204020203" pitchFamily="34" charset="0"/>
                         </a:rPr>
-                        <a:t>01 | </a:t>
-                      </a:r>
-                      <a:r>
-                        <a:rPr lang="en-US" sz="2800" dirty="0" smtClean="0">
-                          <a:latin typeface="Segoe UI Light" panose="020B0502040204020203" pitchFamily="34" charset="0"/>
-                          <a:cs typeface="Segoe UI Light" panose="020B0502040204020203" pitchFamily="34" charset="0"/>
-                        </a:rPr>
-                        <a:t>Introducing</a:t>
+                        <a:t>01 | Introducing</a:t>
                       </a:r>
                       <a:r>
                         <a:rPr lang="en-US" sz="2800" baseline="0" dirty="0" smtClean="0">
@@ -12050,14 +11984,7 @@
                           <a:latin typeface="Segoe UI Light" panose="020B0502040204020203" pitchFamily="34" charset="0"/>
                           <a:cs typeface="Segoe UI Light" panose="020B0502040204020203" pitchFamily="34" charset="0"/>
                         </a:rPr>
-                        <a:t>04 | </a:t>
-                      </a:r>
-                      <a:r>
-                        <a:rPr lang="en-US" sz="2800" dirty="0" smtClean="0">
-                          <a:latin typeface="Segoe UI Light" panose="020B0502040204020203" pitchFamily="34" charset="0"/>
-                          <a:cs typeface="Segoe UI Light" panose="020B0502040204020203" pitchFamily="34" charset="0"/>
-                        </a:rPr>
-                        <a:t>Working with Back-end Servers</a:t>
+                        <a:t>04 | Working with Back-end Servers</a:t>
                       </a:r>
                       <a:endParaRPr lang="en-US" sz="2800" dirty="0">
                         <a:latin typeface="Segoe UI Light" panose="020B0502040204020203" pitchFamily="34" charset="0"/>
@@ -12084,14 +12011,7 @@
                           <a:latin typeface="Segoe UI Light" panose="020B0502040204020203" pitchFamily="34" charset="0"/>
                           <a:cs typeface="Segoe UI Light" panose="020B0502040204020203" pitchFamily="34" charset="0"/>
                         </a:rPr>
-                        <a:t>02 | </a:t>
-                      </a:r>
-                      <a:r>
-                        <a:rPr lang="en-US" sz="2800" dirty="0" smtClean="0">
-                          <a:latin typeface="Segoe UI Light" panose="020B0502040204020203" pitchFamily="34" charset="0"/>
-                          <a:cs typeface="Segoe UI Light" panose="020B0502040204020203" pitchFamily="34" charset="0"/>
-                        </a:rPr>
-                        <a:t>Developer Setup</a:t>
+                        <a:t>02 | Developer Setup</a:t>
                       </a:r>
                       <a:endParaRPr lang="en-US" sz="2800" dirty="0">
                         <a:latin typeface="Segoe UI Light" panose="020B0502040204020203" pitchFamily="34" charset="0"/>
@@ -12111,14 +12031,7 @@
                           <a:latin typeface="Segoe UI Light" panose="020B0502040204020203" pitchFamily="34" charset="0"/>
                           <a:cs typeface="Segoe UI Light" panose="020B0502040204020203" pitchFamily="34" charset="0"/>
                         </a:rPr>
-                        <a:t>05 | </a:t>
-                      </a:r>
-                      <a:r>
-                        <a:rPr lang="en-US" sz="2800" dirty="0" smtClean="0">
-                          <a:latin typeface="Segoe UI Light" panose="020B0502040204020203" pitchFamily="34" charset="0"/>
-                          <a:cs typeface="Segoe UI Light" panose="020B0502040204020203" pitchFamily="34" charset="0"/>
-                        </a:rPr>
-                        <a:t>React Application Architectures with</a:t>
+                        <a:t>05 | React Application Architectures with</a:t>
                       </a:r>
                       <a:br>
                         <a:rPr lang="en-US" sz="2800" dirty="0" smtClean="0">
@@ -12182,14 +12095,7 @@
                           <a:latin typeface="Segoe UI Light" panose="020B0502040204020203" pitchFamily="34" charset="0"/>
                           <a:cs typeface="Segoe UI Light" panose="020B0502040204020203" pitchFamily="34" charset="0"/>
                         </a:rPr>
-                        <a:t> | </a:t>
-                      </a:r>
-                      <a:r>
-                        <a:rPr lang="en-US" sz="2800" baseline="0" dirty="0" smtClean="0">
-                          <a:latin typeface="Segoe UI Light" panose="020B0502040204020203" pitchFamily="34" charset="0"/>
-                          <a:cs typeface="Segoe UI Light" panose="020B0502040204020203" pitchFamily="34" charset="0"/>
-                        </a:rPr>
-                        <a:t>JSX Templates, Components</a:t>
+                        <a:t> | JSX Templates, Components</a:t>
                       </a:r>
                       <a:br>
                         <a:rPr lang="en-US" sz="2800" baseline="0" dirty="0" smtClean="0">
@@ -12342,13 +12248,8 @@
             <a:pPr lvl="1"/>
             <a:r>
               <a:rPr lang="en-US" dirty="0" smtClean="0"/>
-              <a:t>New to </a:t>
-            </a:r>
-            <a:r>
-              <a:rPr lang="en-US" dirty="0" smtClean="0"/>
-              <a:t>React.js</a:t>
-            </a:r>
-            <a:endParaRPr lang="en-US" dirty="0" smtClean="0"/>
+              <a:t>New to React.js</a:t>
+            </a:r>
           </a:p>
           <a:p>
             <a:pPr lvl="1"/>
@@ -12503,8 +12404,8 @@
               <a:t>Enter this code: </a:t>
             </a:r>
             <a:r>
-              <a:rPr lang="en-US" b="1" dirty="0" smtClean="0"/>
-              <a:t>[TODO]</a:t>
+              <a:rPr lang="en-US" b="1" dirty="0" err="1" smtClean="0"/>
+              <a:t>IntroReactJS</a:t>
             </a:r>
             <a:r>
               <a:rPr lang="en-US" dirty="0" smtClean="0"/>
@@ -12516,7 +12417,7 @@
             </a:r>
             <a:r>
               <a:rPr lang="en-US" dirty="0" smtClean="0"/>
-              <a:t>[TODO])</a:t>
+              <a:t>11/23/2015)</a:t>
             </a:r>
             <a:endParaRPr lang="en-US" dirty="0"/>
           </a:p>
@@ -12616,13 +12517,8 @@
           <a:p>
             <a:r>
               <a:rPr lang="en-CA" dirty="0" smtClean="0"/>
-              <a:t>Introducing </a:t>
-            </a:r>
-            <a:r>
-              <a:rPr lang="en-CA" dirty="0" smtClean="0"/>
-              <a:t>React.js</a:t>
-            </a:r>
-            <a:endParaRPr lang="en-CA" dirty="0" smtClean="0"/>
+              <a:t>Introducing React.js</a:t>
+            </a:r>
           </a:p>
         </p:txBody>
       </p:sp>
@@ -12709,7 +12605,7 @@
           <a:p>
             <a:r>
               <a:rPr lang="en-US" dirty="0" smtClean="0"/>
-              <a:t>Introducing Knockout</a:t>
+              <a:t>Introducing React</a:t>
             </a:r>
             <a:endParaRPr lang="en-US" dirty="0"/>
           </a:p>
@@ -12734,7 +12630,6 @@
               <a:rPr lang="en-US" dirty="0" smtClean="0"/>
               <a:t>Why React.js?</a:t>
             </a:r>
-            <a:endParaRPr lang="en-US" dirty="0" smtClean="0"/>
           </a:p>
           <a:p>
             <a:r>
@@ -12751,16 +12646,11 @@
               <a:rPr lang="en-US" dirty="0" smtClean="0"/>
               <a:t>Frameworks</a:t>
             </a:r>
-            <a:endParaRPr lang="en-US" dirty="0" smtClean="0"/>
           </a:p>
           <a:p>
             <a:r>
               <a:rPr lang="en-US" dirty="0" smtClean="0"/>
-              <a:t>Hello, </a:t>
-            </a:r>
-            <a:r>
-              <a:rPr lang="en-US" dirty="0" smtClean="0"/>
-              <a:t>Knockout</a:t>
+              <a:t>Hello, React</a:t>
             </a:r>
           </a:p>
         </p:txBody>

--- a/Slides/1 - Introducing React.pptx
+++ b/Slides/1 - Introducing React.pptx
@@ -5,7 +5,7 @@
     <p:sldMasterId id="2147483660" r:id="rId1"/>
   </p:sldMasterIdLst>
   <p:notesMasterIdLst>
-    <p:notesMasterId r:id="rId27"/>
+    <p:notesMasterId r:id="rId23"/>
   </p:notesMasterIdLst>
   <p:sldIdLst>
     <p:sldId id="451" r:id="rId2"/>
@@ -26,13 +26,9 @@
     <p:sldId id="478" r:id="rId17"/>
     <p:sldId id="477" r:id="rId18"/>
     <p:sldId id="479" r:id="rId19"/>
-    <p:sldId id="466" r:id="rId20"/>
-    <p:sldId id="468" r:id="rId21"/>
-    <p:sldId id="469" r:id="rId22"/>
-    <p:sldId id="470" r:id="rId23"/>
-    <p:sldId id="467" r:id="rId24"/>
-    <p:sldId id="471" r:id="rId25"/>
-    <p:sldId id="450" r:id="rId26"/>
+    <p:sldId id="467" r:id="rId20"/>
+    <p:sldId id="471" r:id="rId21"/>
+    <p:sldId id="450" r:id="rId22"/>
   </p:sldIdLst>
   <p:sldSz cx="12192000" cy="6858000"/>
   <p:notesSz cx="6858000" cy="9144000"/>
@@ -154,10 +150,6 @@
             <p14:sldId id="478"/>
             <p14:sldId id="477"/>
             <p14:sldId id="479"/>
-            <p14:sldId id="466"/>
-            <p14:sldId id="468"/>
-            <p14:sldId id="469"/>
-            <p14:sldId id="470"/>
             <p14:sldId id="467"/>
             <p14:sldId id="471"/>
             <p14:sldId id="450"/>
@@ -4768,7 +4760,7 @@
           <a:p>
             <a:fld id="{A9DDBD42-E139-45FA-9C16-1611187CAC3F}" type="datetimeFigureOut">
               <a:rPr lang="en-US" smtClean="0"/>
-              <a:t>10/19/2015</a:t>
+              <a:t>10/20/2015</a:t>
             </a:fld>
             <a:endParaRPr lang="en-US"/>
           </a:p>
@@ -5126,108 +5118,6 @@
 </p:notes>
 </file>
 
-<file path=ppt/notesSlides/notesSlide10.xml><?xml version="1.0" encoding="utf-8"?>
-<p:notes xmlns:a="http://schemas.openxmlformats.org/drawingml/2006/main" xmlns:r="http://schemas.openxmlformats.org/officeDocument/2006/relationships" xmlns:p="http://schemas.openxmlformats.org/presentationml/2006/main">
-  <p:cSld>
-    <p:spTree>
-      <p:nvGrpSpPr>
-        <p:cNvPr id="1" name=""/>
-        <p:cNvGrpSpPr/>
-        <p:nvPr/>
-      </p:nvGrpSpPr>
-      <p:grpSpPr>
-        <a:xfrm>
-          <a:off x="0" y="0"/>
-          <a:ext cx="0" cy="0"/>
-          <a:chOff x="0" y="0"/>
-          <a:chExt cx="0" cy="0"/>
-        </a:xfrm>
-      </p:grpSpPr>
-      <p:sp>
-        <p:nvSpPr>
-          <p:cNvPr id="2" name="Slide Image Placeholder 1"/>
-          <p:cNvSpPr>
-            <a:spLocks noGrp="1" noRot="1" noChangeAspect="1"/>
-          </p:cNvSpPr>
-          <p:nvPr>
-            <p:ph type="sldImg"/>
-          </p:nvPr>
-        </p:nvSpPr>
-        <p:spPr/>
-      </p:sp>
-      <p:sp>
-        <p:nvSpPr>
-          <p:cNvPr id="3" name="Notes Placeholder 2"/>
-          <p:cNvSpPr>
-            <a:spLocks noGrp="1"/>
-          </p:cNvSpPr>
-          <p:nvPr>
-            <p:ph type="body" idx="1"/>
-          </p:nvPr>
-        </p:nvSpPr>
-        <p:spPr/>
-        <p:txBody>
-          <a:bodyPr/>
-          <a:lstStyle/>
-          <a:p>
-            <a:r>
-              <a:rPr lang="en-US" dirty="0" smtClean="0"/>
-              <a:t>Textbox</a:t>
-            </a:r>
-            <a:r>
-              <a:rPr lang="en-US" baseline="0" dirty="0" smtClean="0"/>
-              <a:t> and heading bound to same observable</a:t>
-            </a:r>
-          </a:p>
-          <a:p>
-            <a:r>
-              <a:rPr lang="en-US" baseline="0" dirty="0" smtClean="0"/>
-              <a:t>Update textbox, see </a:t>
-            </a:r>
-            <a:r>
-              <a:rPr lang="en-US" baseline="0" smtClean="0"/>
-              <a:t>heading update</a:t>
-            </a:r>
-            <a:endParaRPr lang="en-US" dirty="0"/>
-          </a:p>
-        </p:txBody>
-      </p:sp>
-      <p:sp>
-        <p:nvSpPr>
-          <p:cNvPr id="4" name="Slide Number Placeholder 3"/>
-          <p:cNvSpPr>
-            <a:spLocks noGrp="1"/>
-          </p:cNvSpPr>
-          <p:nvPr>
-            <p:ph type="sldNum" sz="quarter" idx="10"/>
-          </p:nvPr>
-        </p:nvSpPr>
-        <p:spPr/>
-        <p:txBody>
-          <a:bodyPr/>
-          <a:lstStyle/>
-          <a:p>
-            <a:fld id="{906AB01E-7BD7-442B-8A6B-D31FAFDAE830}" type="slidenum">
-              <a:rPr lang="en-US" smtClean="0"/>
-              <a:t>24</a:t>
-            </a:fld>
-            <a:endParaRPr lang="en-US"/>
-          </a:p>
-        </p:txBody>
-      </p:sp>
-    </p:spTree>
-    <p:extLst>
-      <p:ext uri="{BB962C8B-B14F-4D97-AF65-F5344CB8AC3E}">
-        <p14:creationId xmlns:p14="http://schemas.microsoft.com/office/powerpoint/2010/main" val="2952098258"/>
-      </p:ext>
-    </p:extLst>
-  </p:cSld>
-  <p:clrMapOvr>
-    <a:masterClrMapping/>
-  </p:clrMapOvr>
-</p:notes>
-</file>
-
 <file path=ppt/notesSlides/notesSlide2.xml><?xml version="1.0" encoding="utf-8"?>
 <p:notes xmlns:a="http://schemas.openxmlformats.org/drawingml/2006/main" xmlns:r="http://schemas.openxmlformats.org/officeDocument/2006/relationships" xmlns:p="http://schemas.openxmlformats.org/presentationml/2006/main">
   <p:cSld>
@@ -5639,7 +5529,7 @@
           <a:p>
             <a:fld id="{906AB01E-7BD7-442B-8A6B-D31FAFDAE830}" type="slidenum">
               <a:rPr lang="en-US" smtClean="0"/>
-              <a:t>20</a:t>
+              <a:t>19</a:t>
             </a:fld>
             <a:endParaRPr lang="en-US"/>
           </a:p>
@@ -5648,7 +5538,7 @@
     </p:spTree>
     <p:extLst>
       <p:ext uri="{BB962C8B-B14F-4D97-AF65-F5344CB8AC3E}">
-        <p14:creationId xmlns:p14="http://schemas.microsoft.com/office/powerpoint/2010/main" val="3414845990"/>
+        <p14:creationId xmlns:p14="http://schemas.microsoft.com/office/powerpoint/2010/main" val="1149675431"/>
       </p:ext>
     </p:extLst>
   </p:cSld>
@@ -5702,6 +5592,24 @@
           <a:bodyPr/>
           <a:lstStyle/>
           <a:p>
+            <a:r>
+              <a:rPr lang="en-US" dirty="0" smtClean="0"/>
+              <a:t>Textbox</a:t>
+            </a:r>
+            <a:r>
+              <a:rPr lang="en-US" baseline="0" dirty="0" smtClean="0"/>
+              <a:t> and heading bound to same observable</a:t>
+            </a:r>
+          </a:p>
+          <a:p>
+            <a:r>
+              <a:rPr lang="en-US" baseline="0" dirty="0" smtClean="0"/>
+              <a:t>Update textbox, see </a:t>
+            </a:r>
+            <a:r>
+              <a:rPr lang="en-US" baseline="0" smtClean="0"/>
+              <a:t>heading update</a:t>
+            </a:r>
             <a:endParaRPr lang="en-US" dirty="0"/>
           </a:p>
         </p:txBody>
@@ -5723,7 +5631,7 @@
           <a:p>
             <a:fld id="{906AB01E-7BD7-442B-8A6B-D31FAFDAE830}" type="slidenum">
               <a:rPr lang="en-US" smtClean="0"/>
-              <a:t>21</a:t>
+              <a:t>20</a:t>
             </a:fld>
             <a:endParaRPr lang="en-US"/>
           </a:p>
@@ -5732,175 +5640,7 @@
     </p:spTree>
     <p:extLst>
       <p:ext uri="{BB962C8B-B14F-4D97-AF65-F5344CB8AC3E}">
-        <p14:creationId xmlns:p14="http://schemas.microsoft.com/office/powerpoint/2010/main" val="144092768"/>
-      </p:ext>
-    </p:extLst>
-  </p:cSld>
-  <p:clrMapOvr>
-    <a:masterClrMapping/>
-  </p:clrMapOvr>
-</p:notes>
-</file>
-
-<file path=ppt/notesSlides/notesSlide8.xml><?xml version="1.0" encoding="utf-8"?>
-<p:notes xmlns:a="http://schemas.openxmlformats.org/drawingml/2006/main" xmlns:r="http://schemas.openxmlformats.org/officeDocument/2006/relationships" xmlns:p="http://schemas.openxmlformats.org/presentationml/2006/main">
-  <p:cSld>
-    <p:spTree>
-      <p:nvGrpSpPr>
-        <p:cNvPr id="1" name=""/>
-        <p:cNvGrpSpPr/>
-        <p:nvPr/>
-      </p:nvGrpSpPr>
-      <p:grpSpPr>
-        <a:xfrm>
-          <a:off x="0" y="0"/>
-          <a:ext cx="0" cy="0"/>
-          <a:chOff x="0" y="0"/>
-          <a:chExt cx="0" cy="0"/>
-        </a:xfrm>
-      </p:grpSpPr>
-      <p:sp>
-        <p:nvSpPr>
-          <p:cNvPr id="2" name="Slide Image Placeholder 1"/>
-          <p:cNvSpPr>
-            <a:spLocks noGrp="1" noRot="1" noChangeAspect="1"/>
-          </p:cNvSpPr>
-          <p:nvPr>
-            <p:ph type="sldImg"/>
-          </p:nvPr>
-        </p:nvSpPr>
-        <p:spPr/>
-      </p:sp>
-      <p:sp>
-        <p:nvSpPr>
-          <p:cNvPr id="3" name="Notes Placeholder 2"/>
-          <p:cNvSpPr>
-            <a:spLocks noGrp="1"/>
-          </p:cNvSpPr>
-          <p:nvPr>
-            <p:ph type="body" idx="1"/>
-          </p:nvPr>
-        </p:nvSpPr>
-        <p:spPr/>
-        <p:txBody>
-          <a:bodyPr/>
-          <a:lstStyle/>
-          <a:p>
-            <a:endParaRPr lang="en-US" dirty="0"/>
-          </a:p>
-        </p:txBody>
-      </p:sp>
-      <p:sp>
-        <p:nvSpPr>
-          <p:cNvPr id="4" name="Slide Number Placeholder 3"/>
-          <p:cNvSpPr>
-            <a:spLocks noGrp="1"/>
-          </p:cNvSpPr>
-          <p:nvPr>
-            <p:ph type="sldNum" sz="quarter" idx="10"/>
-          </p:nvPr>
-        </p:nvSpPr>
-        <p:spPr/>
-        <p:txBody>
-          <a:bodyPr/>
-          <a:lstStyle/>
-          <a:p>
-            <a:fld id="{906AB01E-7BD7-442B-8A6B-D31FAFDAE830}" type="slidenum">
-              <a:rPr lang="en-US" smtClean="0"/>
-              <a:t>22</a:t>
-            </a:fld>
-            <a:endParaRPr lang="en-US"/>
-          </a:p>
-        </p:txBody>
-      </p:sp>
-    </p:spTree>
-    <p:extLst>
-      <p:ext uri="{BB962C8B-B14F-4D97-AF65-F5344CB8AC3E}">
-        <p14:creationId xmlns:p14="http://schemas.microsoft.com/office/powerpoint/2010/main" val="3018024338"/>
-      </p:ext>
-    </p:extLst>
-  </p:cSld>
-  <p:clrMapOvr>
-    <a:masterClrMapping/>
-  </p:clrMapOvr>
-</p:notes>
-</file>
-
-<file path=ppt/notesSlides/notesSlide9.xml><?xml version="1.0" encoding="utf-8"?>
-<p:notes xmlns:a="http://schemas.openxmlformats.org/drawingml/2006/main" xmlns:r="http://schemas.openxmlformats.org/officeDocument/2006/relationships" xmlns:p="http://schemas.openxmlformats.org/presentationml/2006/main">
-  <p:cSld>
-    <p:spTree>
-      <p:nvGrpSpPr>
-        <p:cNvPr id="1" name=""/>
-        <p:cNvGrpSpPr/>
-        <p:nvPr/>
-      </p:nvGrpSpPr>
-      <p:grpSpPr>
-        <a:xfrm>
-          <a:off x="0" y="0"/>
-          <a:ext cx="0" cy="0"/>
-          <a:chOff x="0" y="0"/>
-          <a:chExt cx="0" cy="0"/>
-        </a:xfrm>
-      </p:grpSpPr>
-      <p:sp>
-        <p:nvSpPr>
-          <p:cNvPr id="2" name="Slide Image Placeholder 1"/>
-          <p:cNvSpPr>
-            <a:spLocks noGrp="1" noRot="1" noChangeAspect="1"/>
-          </p:cNvSpPr>
-          <p:nvPr>
-            <p:ph type="sldImg"/>
-          </p:nvPr>
-        </p:nvSpPr>
-        <p:spPr/>
-      </p:sp>
-      <p:sp>
-        <p:nvSpPr>
-          <p:cNvPr id="3" name="Notes Placeholder 2"/>
-          <p:cNvSpPr>
-            <a:spLocks noGrp="1"/>
-          </p:cNvSpPr>
-          <p:nvPr>
-            <p:ph type="body" idx="1"/>
-          </p:nvPr>
-        </p:nvSpPr>
-        <p:spPr/>
-        <p:txBody>
-          <a:bodyPr/>
-          <a:lstStyle/>
-          <a:p>
-            <a:endParaRPr lang="en-US" dirty="0"/>
-          </a:p>
-        </p:txBody>
-      </p:sp>
-      <p:sp>
-        <p:nvSpPr>
-          <p:cNvPr id="4" name="Slide Number Placeholder 3"/>
-          <p:cNvSpPr>
-            <a:spLocks noGrp="1"/>
-          </p:cNvSpPr>
-          <p:nvPr>
-            <p:ph type="sldNum" sz="quarter" idx="10"/>
-          </p:nvPr>
-        </p:nvSpPr>
-        <p:spPr/>
-        <p:txBody>
-          <a:bodyPr/>
-          <a:lstStyle/>
-          <a:p>
-            <a:fld id="{906AB01E-7BD7-442B-8A6B-D31FAFDAE830}" type="slidenum">
-              <a:rPr lang="en-US" smtClean="0"/>
-              <a:t>23</a:t>
-            </a:fld>
-            <a:endParaRPr lang="en-US"/>
-          </a:p>
-        </p:txBody>
-      </p:sp>
-    </p:spTree>
-    <p:extLst>
-      <p:ext uri="{BB962C8B-B14F-4D97-AF65-F5344CB8AC3E}">
-        <p14:creationId xmlns:p14="http://schemas.microsoft.com/office/powerpoint/2010/main" val="1149675431"/>
+        <p14:creationId xmlns:p14="http://schemas.microsoft.com/office/powerpoint/2010/main" val="2952098258"/>
       </p:ext>
     </p:extLst>
   </p:cSld>
@@ -10811,7 +10551,7 @@
           <a:p>
             <a:r>
               <a:rPr lang="en-US" dirty="0" smtClean="0"/>
-              <a:t>Getting React.js</a:t>
+              <a:t>Hello, React.js</a:t>
             </a:r>
             <a:endParaRPr lang="en-US" dirty="0"/>
           </a:p>
@@ -10832,14 +10572,14 @@
           <a:bodyPr/>
           <a:lstStyle/>
           <a:p>
-            <a:endParaRPr lang="en-US"/>
+            <a:endParaRPr lang="en-US" dirty="0"/>
           </a:p>
         </p:txBody>
       </p:sp>
     </p:spTree>
     <p:extLst>
       <p:ext uri="{BB962C8B-B14F-4D97-AF65-F5344CB8AC3E}">
-        <p14:creationId xmlns:p14="http://schemas.microsoft.com/office/powerpoint/2010/main" val="1706519822"/>
+        <p14:creationId xmlns:p14="http://schemas.microsoft.com/office/powerpoint/2010/main" val="1806396838"/>
       </p:ext>
     </p:extLst>
   </p:cSld>
@@ -11073,265 +10813,6 @@
       </p:grpSpPr>
       <p:sp>
         <p:nvSpPr>
-          <p:cNvPr id="5" name="Title 4"/>
-          <p:cNvSpPr>
-            <a:spLocks noGrp="1"/>
-          </p:cNvSpPr>
-          <p:nvPr>
-            <p:ph type="title"/>
-          </p:nvPr>
-        </p:nvSpPr>
-        <p:spPr/>
-        <p:txBody>
-          <a:bodyPr/>
-          <a:lstStyle/>
-          <a:p>
-            <a:r>
-              <a:rPr lang="en-CA" dirty="0" smtClean="0"/>
-              <a:t>Getting React.js with NuGet</a:t>
-            </a:r>
-            <a:endParaRPr lang="en-US" dirty="0"/>
-          </a:p>
-        </p:txBody>
-      </p:sp>
-    </p:spTree>
-    <p:extLst>
-      <p:ext uri="{BB962C8B-B14F-4D97-AF65-F5344CB8AC3E}">
-        <p14:creationId xmlns:p14="http://schemas.microsoft.com/office/powerpoint/2010/main" val="461796257"/>
-      </p:ext>
-    </p:extLst>
-  </p:cSld>
-  <p:clrMapOvr>
-    <a:masterClrMapping/>
-  </p:clrMapOvr>
-  <p:timing>
-    <p:tnLst>
-      <p:par>
-        <p:cTn id="1" dur="indefinite" restart="never" nodeType="tmRoot"/>
-      </p:par>
-    </p:tnLst>
-  </p:timing>
-</p:sld>
-</file>
-
-<file path=ppt/slides/slide21.xml><?xml version="1.0" encoding="utf-8"?>
-<p:sld xmlns:a="http://schemas.openxmlformats.org/drawingml/2006/main" xmlns:r="http://schemas.openxmlformats.org/officeDocument/2006/relationships" xmlns:p="http://schemas.openxmlformats.org/presentationml/2006/main">
-  <p:cSld>
-    <p:spTree>
-      <p:nvGrpSpPr>
-        <p:cNvPr id="1" name=""/>
-        <p:cNvGrpSpPr/>
-        <p:nvPr/>
-      </p:nvGrpSpPr>
-      <p:grpSpPr>
-        <a:xfrm>
-          <a:off x="0" y="0"/>
-          <a:ext cx="0" cy="0"/>
-          <a:chOff x="0" y="0"/>
-          <a:chExt cx="0" cy="0"/>
-        </a:xfrm>
-      </p:grpSpPr>
-      <p:sp>
-        <p:nvSpPr>
-          <p:cNvPr id="5" name="Title 4"/>
-          <p:cNvSpPr>
-            <a:spLocks noGrp="1"/>
-          </p:cNvSpPr>
-          <p:nvPr>
-            <p:ph type="title"/>
-          </p:nvPr>
-        </p:nvSpPr>
-        <p:spPr/>
-        <p:txBody>
-          <a:bodyPr/>
-          <a:lstStyle/>
-          <a:p>
-            <a:r>
-              <a:rPr lang="en-CA" dirty="0" smtClean="0"/>
-              <a:t>Getting React.js with Bower</a:t>
-            </a:r>
-            <a:endParaRPr lang="en-US" dirty="0"/>
-          </a:p>
-        </p:txBody>
-      </p:sp>
-    </p:spTree>
-    <p:extLst>
-      <p:ext uri="{BB962C8B-B14F-4D97-AF65-F5344CB8AC3E}">
-        <p14:creationId xmlns:p14="http://schemas.microsoft.com/office/powerpoint/2010/main" val="1189739439"/>
-      </p:ext>
-    </p:extLst>
-  </p:cSld>
-  <p:clrMapOvr>
-    <a:masterClrMapping/>
-  </p:clrMapOvr>
-  <p:timing>
-    <p:tnLst>
-      <p:par>
-        <p:cTn id="1" dur="indefinite" restart="never" nodeType="tmRoot"/>
-      </p:par>
-    </p:tnLst>
-  </p:timing>
-</p:sld>
-</file>
-
-<file path=ppt/slides/slide22.xml><?xml version="1.0" encoding="utf-8"?>
-<p:sld xmlns:a="http://schemas.openxmlformats.org/drawingml/2006/main" xmlns:r="http://schemas.openxmlformats.org/officeDocument/2006/relationships" xmlns:p="http://schemas.openxmlformats.org/presentationml/2006/main">
-  <p:cSld>
-    <p:spTree>
-      <p:nvGrpSpPr>
-        <p:cNvPr id="1" name=""/>
-        <p:cNvGrpSpPr/>
-        <p:nvPr/>
-      </p:nvGrpSpPr>
-      <p:grpSpPr>
-        <a:xfrm>
-          <a:off x="0" y="0"/>
-          <a:ext cx="0" cy="0"/>
-          <a:chOff x="0" y="0"/>
-          <a:chExt cx="0" cy="0"/>
-        </a:xfrm>
-      </p:grpSpPr>
-      <p:sp>
-        <p:nvSpPr>
-          <p:cNvPr id="5" name="Title 4"/>
-          <p:cNvSpPr>
-            <a:spLocks noGrp="1"/>
-          </p:cNvSpPr>
-          <p:nvPr>
-            <p:ph type="title"/>
-          </p:nvPr>
-        </p:nvSpPr>
-        <p:spPr/>
-        <p:txBody>
-          <a:bodyPr/>
-          <a:lstStyle/>
-          <a:p>
-            <a:r>
-              <a:rPr lang="en-CA" dirty="0" smtClean="0"/>
-              <a:t>Using React.js from CDN</a:t>
-            </a:r>
-            <a:endParaRPr lang="en-US" dirty="0"/>
-          </a:p>
-        </p:txBody>
-      </p:sp>
-    </p:spTree>
-    <p:extLst>
-      <p:ext uri="{BB962C8B-B14F-4D97-AF65-F5344CB8AC3E}">
-        <p14:creationId xmlns:p14="http://schemas.microsoft.com/office/powerpoint/2010/main" val="1622678525"/>
-      </p:ext>
-    </p:extLst>
-  </p:cSld>
-  <p:clrMapOvr>
-    <a:masterClrMapping/>
-  </p:clrMapOvr>
-  <p:timing>
-    <p:tnLst>
-      <p:par>
-        <p:cTn id="1" dur="indefinite" restart="never" nodeType="tmRoot"/>
-      </p:par>
-    </p:tnLst>
-  </p:timing>
-</p:sld>
-</file>
-
-<file path=ppt/slides/slide23.xml><?xml version="1.0" encoding="utf-8"?>
-<p:sld xmlns:a="http://schemas.openxmlformats.org/drawingml/2006/main" xmlns:r="http://schemas.openxmlformats.org/officeDocument/2006/relationships" xmlns:p="http://schemas.openxmlformats.org/presentationml/2006/main">
-  <p:cSld>
-    <p:spTree>
-      <p:nvGrpSpPr>
-        <p:cNvPr id="1" name=""/>
-        <p:cNvGrpSpPr/>
-        <p:nvPr/>
-      </p:nvGrpSpPr>
-      <p:grpSpPr>
-        <a:xfrm>
-          <a:off x="0" y="0"/>
-          <a:ext cx="0" cy="0"/>
-          <a:chOff x="0" y="0"/>
-          <a:chExt cx="0" cy="0"/>
-        </a:xfrm>
-      </p:grpSpPr>
-      <p:sp>
-        <p:nvSpPr>
-          <p:cNvPr id="2" name="Text Placeholder 1"/>
-          <p:cNvSpPr>
-            <a:spLocks noGrp="1"/>
-          </p:cNvSpPr>
-          <p:nvPr>
-            <p:ph type="body" sz="quarter" idx="10"/>
-          </p:nvPr>
-        </p:nvSpPr>
-        <p:spPr/>
-        <p:txBody>
-          <a:bodyPr/>
-          <a:lstStyle/>
-          <a:p>
-            <a:r>
-              <a:rPr lang="en-US" dirty="0" smtClean="0"/>
-              <a:t>Hello, React.js</a:t>
-            </a:r>
-            <a:endParaRPr lang="en-US" dirty="0"/>
-          </a:p>
-        </p:txBody>
-      </p:sp>
-      <p:sp>
-        <p:nvSpPr>
-          <p:cNvPr id="3" name="Subtitle 2"/>
-          <p:cNvSpPr>
-            <a:spLocks noGrp="1"/>
-          </p:cNvSpPr>
-          <p:nvPr>
-            <p:ph type="subTitle" idx="1"/>
-          </p:nvPr>
-        </p:nvSpPr>
-        <p:spPr/>
-        <p:txBody>
-          <a:bodyPr/>
-          <a:lstStyle/>
-          <a:p>
-            <a:endParaRPr lang="en-US" dirty="0"/>
-          </a:p>
-        </p:txBody>
-      </p:sp>
-    </p:spTree>
-    <p:extLst>
-      <p:ext uri="{BB962C8B-B14F-4D97-AF65-F5344CB8AC3E}">
-        <p14:creationId xmlns:p14="http://schemas.microsoft.com/office/powerpoint/2010/main" val="1806396838"/>
-      </p:ext>
-    </p:extLst>
-  </p:cSld>
-  <p:clrMapOvr>
-    <a:masterClrMapping/>
-  </p:clrMapOvr>
-  <p:timing>
-    <p:tnLst>
-      <p:par>
-        <p:cTn id="1" dur="indefinite" restart="never" nodeType="tmRoot"/>
-      </p:par>
-    </p:tnLst>
-  </p:timing>
-</p:sld>
-</file>
-
-<file path=ppt/slides/slide24.xml><?xml version="1.0" encoding="utf-8"?>
-<p:sld xmlns:a="http://schemas.openxmlformats.org/drawingml/2006/main" xmlns:r="http://schemas.openxmlformats.org/officeDocument/2006/relationships" xmlns:p="http://schemas.openxmlformats.org/presentationml/2006/main">
-  <p:cSld>
-    <p:spTree>
-      <p:nvGrpSpPr>
-        <p:cNvPr id="1" name=""/>
-        <p:cNvGrpSpPr/>
-        <p:nvPr/>
-      </p:nvGrpSpPr>
-      <p:grpSpPr>
-        <a:xfrm>
-          <a:off x="0" y="0"/>
-          <a:ext cx="0" cy="0"/>
-          <a:chOff x="0" y="0"/>
-          <a:chExt cx="0" cy="0"/>
-        </a:xfrm>
-      </p:grpSpPr>
-      <p:sp>
-        <p:nvSpPr>
           <p:cNvPr id="4" name="Title 3"/>
           <p:cNvSpPr>
             <a:spLocks noGrp="1"/>
@@ -11366,7 +10847,7 @@
 </p:sld>
 </file>
 
-<file path=ppt/slides/slide25.xml><?xml version="1.0" encoding="utf-8"?>
+<file path=ppt/slides/slide21.xml><?xml version="1.0" encoding="utf-8"?>
 <p:sld xmlns:a="http://schemas.openxmlformats.org/drawingml/2006/main" xmlns:r="http://schemas.openxmlformats.org/officeDocument/2006/relationships" xmlns:p="http://schemas.openxmlformats.org/presentationml/2006/main">
   <p:cSld>
     <p:spTree>
@@ -12409,15 +11890,7 @@
             </a:r>
             <a:r>
               <a:rPr lang="en-US" dirty="0" smtClean="0"/>
-              <a:t> </a:t>
-            </a:r>
-            <a:r>
-              <a:rPr lang="en-US" dirty="0" smtClean="0"/>
-              <a:t>(expires </a:t>
-            </a:r>
-            <a:r>
-              <a:rPr lang="en-US" dirty="0" smtClean="0"/>
-              <a:t>11/23/2015)</a:t>
+              <a:t> (expires 11/23/2015)</a:t>
             </a:r>
             <a:endParaRPr lang="en-US" dirty="0"/>
           </a:p>

--- a/Slides/1 - Introducing React.pptx
+++ b/Slides/1 - Introducing React.pptx
@@ -5,7 +5,7 @@
     <p:sldMasterId id="2147483660" r:id="rId1"/>
   </p:sldMasterIdLst>
   <p:notesMasterIdLst>
-    <p:notesMasterId r:id="rId23"/>
+    <p:notesMasterId r:id="rId20"/>
   </p:notesMasterIdLst>
   <p:sldIdLst>
     <p:sldId id="451" r:id="rId2"/>
@@ -16,19 +16,16 @@
     <p:sldId id="457" r:id="rId7"/>
     <p:sldId id="438" r:id="rId8"/>
     <p:sldId id="472" r:id="rId9"/>
-    <p:sldId id="444" r:id="rId10"/>
-    <p:sldId id="473" r:id="rId11"/>
-    <p:sldId id="474" r:id="rId12"/>
-    <p:sldId id="475" r:id="rId13"/>
-    <p:sldId id="480" r:id="rId14"/>
-    <p:sldId id="481" r:id="rId15"/>
-    <p:sldId id="482" r:id="rId16"/>
-    <p:sldId id="478" r:id="rId17"/>
-    <p:sldId id="477" r:id="rId18"/>
-    <p:sldId id="479" r:id="rId19"/>
-    <p:sldId id="467" r:id="rId20"/>
-    <p:sldId id="471" r:id="rId21"/>
-    <p:sldId id="450" r:id="rId22"/>
+    <p:sldId id="473" r:id="rId10"/>
+    <p:sldId id="474" r:id="rId11"/>
+    <p:sldId id="475" r:id="rId12"/>
+    <p:sldId id="480" r:id="rId13"/>
+    <p:sldId id="481" r:id="rId14"/>
+    <p:sldId id="482" r:id="rId15"/>
+    <p:sldId id="478" r:id="rId16"/>
+    <p:sldId id="467" r:id="rId17"/>
+    <p:sldId id="471" r:id="rId18"/>
+    <p:sldId id="450" r:id="rId19"/>
   </p:sldIdLst>
   <p:sldSz cx="12192000" cy="6858000"/>
   <p:notesSz cx="6858000" cy="9144000"/>
@@ -140,7 +137,6 @@
             <p14:sldId id="457"/>
             <p14:sldId id="438"/>
             <p14:sldId id="472"/>
-            <p14:sldId id="444"/>
             <p14:sldId id="473"/>
             <p14:sldId id="474"/>
             <p14:sldId id="475"/>
@@ -148,8 +144,6 @@
             <p14:sldId id="481"/>
             <p14:sldId id="482"/>
             <p14:sldId id="478"/>
-            <p14:sldId id="477"/>
-            <p14:sldId id="479"/>
             <p14:sldId id="467"/>
             <p14:sldId id="471"/>
             <p14:sldId id="450"/>
@@ -4760,7 +4754,7 @@
           <a:p>
             <a:fld id="{A9DDBD42-E139-45FA-9C16-1611187CAC3F}" type="datetimeFigureOut">
               <a:rPr lang="en-US" smtClean="0"/>
-              <a:t>10/20/2015</a:t>
+              <a:t>10/21/2015</a:t>
             </a:fld>
             <a:endParaRPr lang="en-US"/>
           </a:p>
@@ -5445,7 +5439,7 @@
           <a:p>
             <a:fld id="{906AB01E-7BD7-442B-8A6B-D31FAFDAE830}" type="slidenum">
               <a:rPr lang="en-US" smtClean="0"/>
-              <a:t>9</a:t>
+              <a:t>16</a:t>
             </a:fld>
             <a:endParaRPr lang="en-US"/>
           </a:p>
@@ -5454,7 +5448,7 @@
     </p:spTree>
     <p:extLst>
       <p:ext uri="{BB962C8B-B14F-4D97-AF65-F5344CB8AC3E}">
-        <p14:creationId xmlns:p14="http://schemas.microsoft.com/office/powerpoint/2010/main" val="1724137595"/>
+        <p14:creationId xmlns:p14="http://schemas.microsoft.com/office/powerpoint/2010/main" val="1149675431"/>
       </p:ext>
     </p:extLst>
   </p:cSld>
@@ -5508,6 +5502,24 @@
           <a:bodyPr/>
           <a:lstStyle/>
           <a:p>
+            <a:r>
+              <a:rPr lang="en-US" dirty="0" smtClean="0"/>
+              <a:t>Textbox</a:t>
+            </a:r>
+            <a:r>
+              <a:rPr lang="en-US" baseline="0" dirty="0" smtClean="0"/>
+              <a:t> and heading bound to same observable</a:t>
+            </a:r>
+          </a:p>
+          <a:p>
+            <a:r>
+              <a:rPr lang="en-US" baseline="0" dirty="0" smtClean="0"/>
+              <a:t>Update textbox, see </a:t>
+            </a:r>
+            <a:r>
+              <a:rPr lang="en-US" baseline="0" smtClean="0"/>
+              <a:t>heading update</a:t>
+            </a:r>
             <a:endParaRPr lang="en-US" dirty="0"/>
           </a:p>
         </p:txBody>
@@ -5529,109 +5541,7 @@
           <a:p>
             <a:fld id="{906AB01E-7BD7-442B-8A6B-D31FAFDAE830}" type="slidenum">
               <a:rPr lang="en-US" smtClean="0"/>
-              <a:t>19</a:t>
-            </a:fld>
-            <a:endParaRPr lang="en-US"/>
-          </a:p>
-        </p:txBody>
-      </p:sp>
-    </p:spTree>
-    <p:extLst>
-      <p:ext uri="{BB962C8B-B14F-4D97-AF65-F5344CB8AC3E}">
-        <p14:creationId xmlns:p14="http://schemas.microsoft.com/office/powerpoint/2010/main" val="1149675431"/>
-      </p:ext>
-    </p:extLst>
-  </p:cSld>
-  <p:clrMapOvr>
-    <a:masterClrMapping/>
-  </p:clrMapOvr>
-</p:notes>
-</file>
-
-<file path=ppt/notesSlides/notesSlide7.xml><?xml version="1.0" encoding="utf-8"?>
-<p:notes xmlns:a="http://schemas.openxmlformats.org/drawingml/2006/main" xmlns:r="http://schemas.openxmlformats.org/officeDocument/2006/relationships" xmlns:p="http://schemas.openxmlformats.org/presentationml/2006/main">
-  <p:cSld>
-    <p:spTree>
-      <p:nvGrpSpPr>
-        <p:cNvPr id="1" name=""/>
-        <p:cNvGrpSpPr/>
-        <p:nvPr/>
-      </p:nvGrpSpPr>
-      <p:grpSpPr>
-        <a:xfrm>
-          <a:off x="0" y="0"/>
-          <a:ext cx="0" cy="0"/>
-          <a:chOff x="0" y="0"/>
-          <a:chExt cx="0" cy="0"/>
-        </a:xfrm>
-      </p:grpSpPr>
-      <p:sp>
-        <p:nvSpPr>
-          <p:cNvPr id="2" name="Slide Image Placeholder 1"/>
-          <p:cNvSpPr>
-            <a:spLocks noGrp="1" noRot="1" noChangeAspect="1"/>
-          </p:cNvSpPr>
-          <p:nvPr>
-            <p:ph type="sldImg"/>
-          </p:nvPr>
-        </p:nvSpPr>
-        <p:spPr/>
-      </p:sp>
-      <p:sp>
-        <p:nvSpPr>
-          <p:cNvPr id="3" name="Notes Placeholder 2"/>
-          <p:cNvSpPr>
-            <a:spLocks noGrp="1"/>
-          </p:cNvSpPr>
-          <p:nvPr>
-            <p:ph type="body" idx="1"/>
-          </p:nvPr>
-        </p:nvSpPr>
-        <p:spPr/>
-        <p:txBody>
-          <a:bodyPr/>
-          <a:lstStyle/>
-          <a:p>
-            <a:r>
-              <a:rPr lang="en-US" dirty="0" smtClean="0"/>
-              <a:t>Textbox</a:t>
-            </a:r>
-            <a:r>
-              <a:rPr lang="en-US" baseline="0" dirty="0" smtClean="0"/>
-              <a:t> and heading bound to same observable</a:t>
-            </a:r>
-          </a:p>
-          <a:p>
-            <a:r>
-              <a:rPr lang="en-US" baseline="0" dirty="0" smtClean="0"/>
-              <a:t>Update textbox, see </a:t>
-            </a:r>
-            <a:r>
-              <a:rPr lang="en-US" baseline="0" smtClean="0"/>
-              <a:t>heading update</a:t>
-            </a:r>
-            <a:endParaRPr lang="en-US" dirty="0"/>
-          </a:p>
-        </p:txBody>
-      </p:sp>
-      <p:sp>
-        <p:nvSpPr>
-          <p:cNvPr id="4" name="Slide Number Placeholder 3"/>
-          <p:cNvSpPr>
-            <a:spLocks noGrp="1"/>
-          </p:cNvSpPr>
-          <p:nvPr>
-            <p:ph type="sldNum" sz="quarter" idx="10"/>
-          </p:nvPr>
-        </p:nvSpPr>
-        <p:spPr/>
-        <p:txBody>
-          <a:bodyPr/>
-          <a:lstStyle/>
-          <a:p>
-            <a:fld id="{906AB01E-7BD7-442B-8A6B-D31FAFDAE830}" type="slidenum">
-              <a:rPr lang="en-US" smtClean="0"/>
-              <a:t>20</a:t>
+              <a:t>17</a:t>
             </a:fld>
             <a:endParaRPr lang="en-US"/>
           </a:p>
@@ -8345,78 +8255,6 @@
       </p:grpSpPr>
       <p:sp>
         <p:nvSpPr>
-          <p:cNvPr id="4" name="Text Placeholder 3"/>
-          <p:cNvSpPr>
-            <a:spLocks noGrp="1"/>
-          </p:cNvSpPr>
-          <p:nvPr>
-            <p:ph type="body" sz="quarter" idx="10"/>
-          </p:nvPr>
-        </p:nvSpPr>
-        <p:spPr/>
-        <p:txBody>
-          <a:bodyPr/>
-          <a:lstStyle/>
-          <a:p>
-            <a:r>
-              <a:rPr lang="en-US" dirty="0" smtClean="0"/>
-              <a:t>Why React.js?</a:t>
-            </a:r>
-            <a:endParaRPr lang="en-US" dirty="0"/>
-          </a:p>
-        </p:txBody>
-      </p:sp>
-      <p:sp>
-        <p:nvSpPr>
-          <p:cNvPr id="3" name="Subtitle 2"/>
-          <p:cNvSpPr>
-            <a:spLocks noGrp="1"/>
-          </p:cNvSpPr>
-          <p:nvPr>
-            <p:ph type="subTitle" idx="1"/>
-          </p:nvPr>
-        </p:nvSpPr>
-        <p:spPr/>
-        <p:txBody>
-          <a:bodyPr/>
-          <a:lstStyle/>
-          <a:p>
-            <a:endParaRPr lang="en-US" dirty="0"/>
-          </a:p>
-        </p:txBody>
-      </p:sp>
-    </p:spTree>
-    <p:extLst>
-      <p:ext uri="{BB962C8B-B14F-4D97-AF65-F5344CB8AC3E}">
-        <p14:creationId xmlns:p14="http://schemas.microsoft.com/office/powerpoint/2010/main" val="4087148463"/>
-      </p:ext>
-    </p:extLst>
-  </p:cSld>
-  <p:clrMapOvr>
-    <a:masterClrMapping/>
-  </p:clrMapOvr>
-</p:sld>
-</file>
-
-<file path=ppt/slides/slide11.xml><?xml version="1.0" encoding="utf-8"?>
-<p:sld xmlns:a="http://schemas.openxmlformats.org/drawingml/2006/main" xmlns:r="http://schemas.openxmlformats.org/officeDocument/2006/relationships" xmlns:p="http://schemas.openxmlformats.org/presentationml/2006/main">
-  <p:cSld>
-    <p:spTree>
-      <p:nvGrpSpPr>
-        <p:cNvPr id="1" name=""/>
-        <p:cNvGrpSpPr/>
-        <p:nvPr/>
-      </p:nvGrpSpPr>
-      <p:grpSpPr>
-        <a:xfrm>
-          <a:off x="0" y="0"/>
-          <a:ext cx="0" cy="0"/>
-          <a:chOff x="0" y="0"/>
-          <a:chExt cx="0" cy="0"/>
-        </a:xfrm>
-      </p:grpSpPr>
-      <p:sp>
-        <p:nvSpPr>
           <p:cNvPr id="4" name="Title 3"/>
           <p:cNvSpPr>
             <a:spLocks noGrp="1"/>
@@ -8501,10 +8339,17 @@
   <p:clrMapOvr>
     <a:masterClrMapping/>
   </p:clrMapOvr>
+  <p:timing>
+    <p:tnLst>
+      <p:par>
+        <p:cTn id="1" dur="indefinite" restart="never" nodeType="tmRoot"/>
+      </p:par>
+    </p:tnLst>
+  </p:timing>
 </p:sld>
 </file>
 
-<file path=ppt/slides/slide12.xml><?xml version="1.0" encoding="utf-8"?>
+<file path=ppt/slides/slide11.xml><?xml version="1.0" encoding="utf-8"?>
 <p:sld xmlns:a="http://schemas.openxmlformats.org/drawingml/2006/main" xmlns:r="http://schemas.openxmlformats.org/officeDocument/2006/relationships" xmlns:p="http://schemas.openxmlformats.org/presentationml/2006/main">
   <p:cSld>
     <p:spTree>
@@ -8592,10 +8437,17 @@
   <p:clrMapOvr>
     <a:masterClrMapping/>
   </p:clrMapOvr>
+  <p:timing>
+    <p:tnLst>
+      <p:par>
+        <p:cTn id="1" dur="indefinite" restart="never" nodeType="tmRoot"/>
+      </p:par>
+    </p:tnLst>
+  </p:timing>
 </p:sld>
 </file>
 
-<file path=ppt/slides/slide13.xml><?xml version="1.0" encoding="utf-8"?>
+<file path=ppt/slides/slide12.xml><?xml version="1.0" encoding="utf-8"?>
 <p:sld xmlns:a="http://schemas.openxmlformats.org/drawingml/2006/main" xmlns:r="http://schemas.openxmlformats.org/officeDocument/2006/relationships" xmlns:p="http://schemas.openxmlformats.org/presentationml/2006/main">
   <p:cSld>
     <p:spTree>
@@ -8677,10 +8529,17 @@
   <p:clrMapOvr>
     <a:masterClrMapping/>
   </p:clrMapOvr>
+  <p:timing>
+    <p:tnLst>
+      <p:par>
+        <p:cTn id="1" dur="indefinite" restart="never" nodeType="tmRoot"/>
+      </p:par>
+    </p:tnLst>
+  </p:timing>
 </p:sld>
 </file>
 
-<file path=ppt/slides/slide14.xml><?xml version="1.0" encoding="utf-8"?>
+<file path=ppt/slides/slide13.xml><?xml version="1.0" encoding="utf-8"?>
 <p:sld xmlns:a="http://schemas.openxmlformats.org/drawingml/2006/main" xmlns:r="http://schemas.openxmlformats.org/officeDocument/2006/relationships" xmlns:p="http://schemas.openxmlformats.org/presentationml/2006/main">
   <p:cSld>
     <p:spTree>
@@ -8768,10 +8627,17 @@
   <p:clrMapOvr>
     <a:masterClrMapping/>
   </p:clrMapOvr>
+  <p:timing>
+    <p:tnLst>
+      <p:par>
+        <p:cTn id="1" dur="indefinite" restart="never" nodeType="tmRoot"/>
+      </p:par>
+    </p:tnLst>
+  </p:timing>
 </p:sld>
 </file>
 
-<file path=ppt/slides/slide15.xml><?xml version="1.0" encoding="utf-8"?>
+<file path=ppt/slides/slide14.xml><?xml version="1.0" encoding="utf-8"?>
 <p:sld xmlns:a="http://schemas.openxmlformats.org/drawingml/2006/main" xmlns:r="http://schemas.openxmlformats.org/officeDocument/2006/relationships" xmlns:p="http://schemas.openxmlformats.org/presentationml/2006/main">
   <p:cSld>
     <p:spTree>
@@ -8840,10 +8706,17 @@
   <p:clrMapOvr>
     <a:masterClrMapping/>
   </p:clrMapOvr>
+  <p:timing>
+    <p:tnLst>
+      <p:par>
+        <p:cTn id="1" dur="indefinite" restart="never" nodeType="tmRoot"/>
+      </p:par>
+    </p:tnLst>
+  </p:timing>
 </p:sld>
 </file>
 
-<file path=ppt/slides/slide16.xml><?xml version="1.0" encoding="utf-8"?>
+<file path=ppt/slides/slide15.xml><?xml version="1.0" encoding="utf-8"?>
 <p:sld xmlns:a="http://schemas.openxmlformats.org/drawingml/2006/main" xmlns:r="http://schemas.openxmlformats.org/officeDocument/2006/relationships" xmlns:p="http://schemas.openxmlformats.org/presentationml/2006/main">
   <p:cSld>
     <p:spTree>
@@ -8927,1597 +8800,17 @@
   <p:clrMapOvr>
     <a:masterClrMapping/>
   </p:clrMapOvr>
+  <p:timing>
+    <p:tnLst>
+      <p:par>
+        <p:cTn id="1" dur="indefinite" restart="never" nodeType="tmRoot"/>
+      </p:par>
+    </p:tnLst>
+  </p:timing>
 </p:sld>
 </file>
 
-<file path=ppt/slides/slide17.xml><?xml version="1.0" encoding="utf-8"?>
-<p:sld xmlns:a="http://schemas.openxmlformats.org/drawingml/2006/main" xmlns:r="http://schemas.openxmlformats.org/officeDocument/2006/relationships" xmlns:p="http://schemas.openxmlformats.org/presentationml/2006/main" show="0">
-  <p:cSld>
-    <p:spTree>
-      <p:nvGrpSpPr>
-        <p:cNvPr id="1" name=""/>
-        <p:cNvGrpSpPr/>
-        <p:nvPr/>
-      </p:nvGrpSpPr>
-      <p:grpSpPr>
-        <a:xfrm>
-          <a:off x="0" y="0"/>
-          <a:ext cx="0" cy="0"/>
-          <a:chOff x="0" y="0"/>
-          <a:chExt cx="0" cy="0"/>
-        </a:xfrm>
-      </p:grpSpPr>
-      <p:sp>
-        <p:nvSpPr>
-          <p:cNvPr id="2" name="Title 1"/>
-          <p:cNvSpPr>
-            <a:spLocks noGrp="1"/>
-          </p:cNvSpPr>
-          <p:nvPr>
-            <p:ph type="title"/>
-          </p:nvPr>
-        </p:nvSpPr>
-        <p:spPr/>
-        <p:txBody>
-          <a:bodyPr>
-            <a:normAutofit fontScale="90000"/>
-          </a:bodyPr>
-          <a:lstStyle/>
-          <a:p>
-            <a:r>
-              <a:rPr lang="en-US" dirty="0" smtClean="0"/>
-              <a:t>TODO: Make slides about components and unidirectional data flow</a:t>
-            </a:r>
-            <a:endParaRPr lang="en-US" dirty="0"/>
-          </a:p>
-        </p:txBody>
-      </p:sp>
-      <p:sp>
-        <p:nvSpPr>
-          <p:cNvPr id="4" name="Rounded Rectangle 3"/>
-          <p:cNvSpPr/>
-          <p:nvPr/>
-        </p:nvSpPr>
-        <p:spPr>
-          <a:xfrm>
-            <a:off x="379514" y="2637418"/>
-            <a:ext cx="3679115" cy="2173044"/>
-          </a:xfrm>
-          <a:prstGeom prst="roundRect">
-            <a:avLst>
-              <a:gd name="adj" fmla="val 11262"/>
-            </a:avLst>
-          </a:prstGeom>
-        </p:spPr>
-        <p:style>
-          <a:lnRef idx="1">
-            <a:schemeClr val="accent4"/>
-          </a:lnRef>
-          <a:fillRef idx="2">
-            <a:schemeClr val="accent4"/>
-          </a:fillRef>
-          <a:effectRef idx="1">
-            <a:schemeClr val="accent4"/>
-          </a:effectRef>
-          <a:fontRef idx="minor">
-            <a:schemeClr val="dk1"/>
-          </a:fontRef>
-        </p:style>
-        <p:txBody>
-          <a:bodyPr rtlCol="0" anchor="ctr"/>
-          <a:lstStyle/>
-          <a:p>
-            <a:pPr algn="ctr"/>
-            <a:r>
-              <a:rPr lang="en-US" b="1" dirty="0" smtClean="0"/>
-              <a:t>View</a:t>
-            </a:r>
-          </a:p>
-          <a:p>
-            <a:pPr algn="ctr"/>
-            <a:endParaRPr lang="en-US" dirty="0"/>
-          </a:p>
-          <a:p>
-            <a:pPr algn="ctr"/>
-            <a:endParaRPr lang="en-US" dirty="0" smtClean="0"/>
-          </a:p>
-          <a:p>
-            <a:pPr algn="ctr"/>
-            <a:endParaRPr lang="en-US" dirty="0"/>
-          </a:p>
-          <a:p>
-            <a:pPr algn="ctr"/>
-            <a:endParaRPr lang="en-US" dirty="0" smtClean="0"/>
-          </a:p>
-          <a:p>
-            <a:pPr algn="ctr"/>
-            <a:endParaRPr lang="en-US" dirty="0"/>
-          </a:p>
-          <a:p>
-            <a:pPr algn="ctr"/>
-            <a:endParaRPr lang="en-US" dirty="0"/>
-          </a:p>
-        </p:txBody>
-      </p:sp>
-      <p:sp>
-        <p:nvSpPr>
-          <p:cNvPr id="5" name="Rounded Rectangle 4"/>
-          <p:cNvSpPr/>
-          <p:nvPr/>
-        </p:nvSpPr>
-        <p:spPr>
-          <a:xfrm>
-            <a:off x="938911" y="3196816"/>
-            <a:ext cx="2689411" cy="527124"/>
-          </a:xfrm>
-          <a:prstGeom prst="roundRect">
-            <a:avLst/>
-          </a:prstGeom>
-        </p:spPr>
-        <p:style>
-          <a:lnRef idx="0">
-            <a:schemeClr val="accent4"/>
-          </a:lnRef>
-          <a:fillRef idx="3">
-            <a:schemeClr val="accent4"/>
-          </a:fillRef>
-          <a:effectRef idx="3">
-            <a:schemeClr val="accent4"/>
-          </a:effectRef>
-          <a:fontRef idx="minor">
-            <a:schemeClr val="lt1"/>
-          </a:fontRef>
-        </p:style>
-        <p:txBody>
-          <a:bodyPr rtlCol="0" anchor="ctr"/>
-          <a:lstStyle/>
-          <a:p>
-            <a:pPr algn="ctr"/>
-            <a:r>
-              <a:rPr lang="en-US" dirty="0" smtClean="0"/>
-              <a:t>Name</a:t>
-            </a:r>
-            <a:endParaRPr lang="en-US" dirty="0"/>
-          </a:p>
-        </p:txBody>
-      </p:sp>
-      <p:sp>
-        <p:nvSpPr>
-          <p:cNvPr id="6" name="Rounded Rectangle 5"/>
-          <p:cNvSpPr/>
-          <p:nvPr/>
-        </p:nvSpPr>
-        <p:spPr>
-          <a:xfrm>
-            <a:off x="938912" y="3955228"/>
-            <a:ext cx="2689411" cy="527124"/>
-          </a:xfrm>
-          <a:prstGeom prst="roundRect">
-            <a:avLst/>
-          </a:prstGeom>
-        </p:spPr>
-        <p:style>
-          <a:lnRef idx="0">
-            <a:schemeClr val="accent4"/>
-          </a:lnRef>
-          <a:fillRef idx="3">
-            <a:schemeClr val="accent4"/>
-          </a:fillRef>
-          <a:effectRef idx="3">
-            <a:schemeClr val="accent4"/>
-          </a:effectRef>
-          <a:fontRef idx="minor">
-            <a:schemeClr val="lt1"/>
-          </a:fontRef>
-        </p:style>
-        <p:txBody>
-          <a:bodyPr rtlCol="0" anchor="ctr"/>
-          <a:lstStyle/>
-          <a:p>
-            <a:pPr algn="ctr"/>
-            <a:r>
-              <a:rPr lang="en-US" dirty="0" smtClean="0"/>
-              <a:t>Email</a:t>
-            </a:r>
-            <a:endParaRPr lang="en-US" dirty="0"/>
-          </a:p>
-        </p:txBody>
-      </p:sp>
-      <p:sp>
-        <p:nvSpPr>
-          <p:cNvPr id="7" name="Rounded Rectangle 6"/>
-          <p:cNvSpPr/>
-          <p:nvPr/>
-        </p:nvSpPr>
-        <p:spPr>
-          <a:xfrm>
-            <a:off x="4393012" y="2637418"/>
-            <a:ext cx="3679115" cy="2173044"/>
-          </a:xfrm>
-          <a:prstGeom prst="roundRect">
-            <a:avLst>
-              <a:gd name="adj" fmla="val 11262"/>
-            </a:avLst>
-          </a:prstGeom>
-        </p:spPr>
-        <p:style>
-          <a:lnRef idx="1">
-            <a:schemeClr val="accent3"/>
-          </a:lnRef>
-          <a:fillRef idx="2">
-            <a:schemeClr val="accent3"/>
-          </a:fillRef>
-          <a:effectRef idx="1">
-            <a:schemeClr val="accent3"/>
-          </a:effectRef>
-          <a:fontRef idx="minor">
-            <a:schemeClr val="dk1"/>
-          </a:fontRef>
-        </p:style>
-        <p:txBody>
-          <a:bodyPr rtlCol="0" anchor="ctr"/>
-          <a:lstStyle/>
-          <a:p>
-            <a:pPr algn="ctr"/>
-            <a:r>
-              <a:rPr lang="en-US" b="1" dirty="0" smtClean="0"/>
-              <a:t>View Model</a:t>
-            </a:r>
-          </a:p>
-          <a:p>
-            <a:pPr algn="ctr"/>
-            <a:endParaRPr lang="en-US" dirty="0"/>
-          </a:p>
-          <a:p>
-            <a:pPr algn="ctr"/>
-            <a:endParaRPr lang="en-US" dirty="0" smtClean="0"/>
-          </a:p>
-          <a:p>
-            <a:pPr algn="ctr"/>
-            <a:endParaRPr lang="en-US" dirty="0"/>
-          </a:p>
-          <a:p>
-            <a:pPr algn="ctr"/>
-            <a:endParaRPr lang="en-US" dirty="0" smtClean="0"/>
-          </a:p>
-          <a:p>
-            <a:pPr algn="ctr"/>
-            <a:endParaRPr lang="en-US" dirty="0"/>
-          </a:p>
-          <a:p>
-            <a:pPr algn="ctr"/>
-            <a:endParaRPr lang="en-US" dirty="0"/>
-          </a:p>
-        </p:txBody>
-      </p:sp>
-      <p:sp>
-        <p:nvSpPr>
-          <p:cNvPr id="8" name="Rounded Rectangle 7"/>
-          <p:cNvSpPr/>
-          <p:nvPr/>
-        </p:nvSpPr>
-        <p:spPr>
-          <a:xfrm>
-            <a:off x="4920136" y="3196816"/>
-            <a:ext cx="2689411" cy="527124"/>
-          </a:xfrm>
-          <a:prstGeom prst="roundRect">
-            <a:avLst/>
-          </a:prstGeom>
-        </p:spPr>
-        <p:style>
-          <a:lnRef idx="0">
-            <a:schemeClr val="accent3"/>
-          </a:lnRef>
-          <a:fillRef idx="3">
-            <a:schemeClr val="accent3"/>
-          </a:fillRef>
-          <a:effectRef idx="3">
-            <a:schemeClr val="accent3"/>
-          </a:effectRef>
-          <a:fontRef idx="minor">
-            <a:schemeClr val="lt1"/>
-          </a:fontRef>
-        </p:style>
-        <p:txBody>
-          <a:bodyPr rtlCol="0" anchor="ctr"/>
-          <a:lstStyle/>
-          <a:p>
-            <a:pPr algn="ctr"/>
-            <a:r>
-              <a:rPr lang="en-US" dirty="0" smtClean="0"/>
-              <a:t>Name</a:t>
-            </a:r>
-            <a:endParaRPr lang="en-US" dirty="0"/>
-          </a:p>
-        </p:txBody>
-      </p:sp>
-      <p:sp>
-        <p:nvSpPr>
-          <p:cNvPr id="9" name="Rounded Rectangle 8"/>
-          <p:cNvSpPr/>
-          <p:nvPr/>
-        </p:nvSpPr>
-        <p:spPr>
-          <a:xfrm>
-            <a:off x="4920137" y="3955228"/>
-            <a:ext cx="2689411" cy="527124"/>
-          </a:xfrm>
-          <a:prstGeom prst="roundRect">
-            <a:avLst/>
-          </a:prstGeom>
-        </p:spPr>
-        <p:style>
-          <a:lnRef idx="0">
-            <a:schemeClr val="accent3"/>
-          </a:lnRef>
-          <a:fillRef idx="3">
-            <a:schemeClr val="accent3"/>
-          </a:fillRef>
-          <a:effectRef idx="3">
-            <a:schemeClr val="accent3"/>
-          </a:effectRef>
-          <a:fontRef idx="minor">
-            <a:schemeClr val="lt1"/>
-          </a:fontRef>
-        </p:style>
-        <p:txBody>
-          <a:bodyPr rtlCol="0" anchor="ctr"/>
-          <a:lstStyle/>
-          <a:p>
-            <a:pPr algn="ctr"/>
-            <a:r>
-              <a:rPr lang="en-US" dirty="0" smtClean="0"/>
-              <a:t>Email</a:t>
-            </a:r>
-            <a:endParaRPr lang="en-US" dirty="0"/>
-          </a:p>
-        </p:txBody>
-      </p:sp>
-      <p:sp>
-        <p:nvSpPr>
-          <p:cNvPr id="10" name="Rounded Rectangle 9"/>
-          <p:cNvSpPr/>
-          <p:nvPr/>
-        </p:nvSpPr>
-        <p:spPr>
-          <a:xfrm>
-            <a:off x="8406510" y="1647714"/>
-            <a:ext cx="3679115" cy="4152452"/>
-          </a:xfrm>
-          <a:prstGeom prst="roundRect">
-            <a:avLst>
-              <a:gd name="adj" fmla="val 11262"/>
-            </a:avLst>
-          </a:prstGeom>
-        </p:spPr>
-        <p:style>
-          <a:lnRef idx="1">
-            <a:schemeClr val="accent5"/>
-          </a:lnRef>
-          <a:fillRef idx="2">
-            <a:schemeClr val="accent5"/>
-          </a:fillRef>
-          <a:effectRef idx="1">
-            <a:schemeClr val="accent5"/>
-          </a:effectRef>
-          <a:fontRef idx="minor">
-            <a:schemeClr val="dk1"/>
-          </a:fontRef>
-        </p:style>
-        <p:txBody>
-          <a:bodyPr rtlCol="0" anchor="ctr"/>
-          <a:lstStyle/>
-          <a:p>
-            <a:pPr algn="ctr"/>
-            <a:r>
-              <a:rPr lang="en-US" b="1" dirty="0" smtClean="0"/>
-              <a:t>Model</a:t>
-            </a:r>
-          </a:p>
-          <a:p>
-            <a:pPr algn="ctr"/>
-            <a:endParaRPr lang="en-US" b="1" dirty="0"/>
-          </a:p>
-          <a:p>
-            <a:pPr algn="ctr"/>
-            <a:endParaRPr lang="en-US" b="1" dirty="0" smtClean="0"/>
-          </a:p>
-          <a:p>
-            <a:pPr algn="ctr"/>
-            <a:endParaRPr lang="en-US" b="1" dirty="0"/>
-          </a:p>
-          <a:p>
-            <a:pPr algn="ctr"/>
-            <a:endParaRPr lang="en-US" b="1" dirty="0" smtClean="0"/>
-          </a:p>
-          <a:p>
-            <a:pPr algn="ctr"/>
-            <a:endParaRPr lang="en-US" b="1" dirty="0"/>
-          </a:p>
-          <a:p>
-            <a:pPr algn="ctr"/>
-            <a:endParaRPr lang="en-US" b="1" dirty="0" smtClean="0"/>
-          </a:p>
-          <a:p>
-            <a:pPr algn="ctr"/>
-            <a:endParaRPr lang="en-US" b="1" dirty="0"/>
-          </a:p>
-          <a:p>
-            <a:pPr algn="ctr"/>
-            <a:endParaRPr lang="en-US" b="1" dirty="0" smtClean="0"/>
-          </a:p>
-          <a:p>
-            <a:pPr algn="ctr"/>
-            <a:endParaRPr lang="en-US" dirty="0"/>
-          </a:p>
-          <a:p>
-            <a:pPr algn="ctr"/>
-            <a:endParaRPr lang="en-US" dirty="0" smtClean="0"/>
-          </a:p>
-          <a:p>
-            <a:pPr algn="ctr"/>
-            <a:endParaRPr lang="en-US" dirty="0"/>
-          </a:p>
-          <a:p>
-            <a:pPr algn="ctr"/>
-            <a:endParaRPr lang="en-US" dirty="0" smtClean="0"/>
-          </a:p>
-          <a:p>
-            <a:pPr algn="ctr"/>
-            <a:endParaRPr lang="en-US" dirty="0"/>
-          </a:p>
-          <a:p>
-            <a:pPr algn="ctr"/>
-            <a:endParaRPr lang="en-US" dirty="0"/>
-          </a:p>
-        </p:txBody>
-      </p:sp>
-      <p:sp>
-        <p:nvSpPr>
-          <p:cNvPr id="11" name="Rounded Rectangle 10"/>
-          <p:cNvSpPr/>
-          <p:nvPr/>
-        </p:nvSpPr>
-        <p:spPr>
-          <a:xfrm>
-            <a:off x="8901361" y="2230422"/>
-            <a:ext cx="2689411" cy="527124"/>
-          </a:xfrm>
-          <a:prstGeom prst="roundRect">
-            <a:avLst/>
-          </a:prstGeom>
-        </p:spPr>
-        <p:style>
-          <a:lnRef idx="0">
-            <a:schemeClr val="accent5"/>
-          </a:lnRef>
-          <a:fillRef idx="3">
-            <a:schemeClr val="accent5"/>
-          </a:fillRef>
-          <a:effectRef idx="3">
-            <a:schemeClr val="accent5"/>
-          </a:effectRef>
-          <a:fontRef idx="minor">
-            <a:schemeClr val="lt1"/>
-          </a:fontRef>
-        </p:style>
-        <p:txBody>
-          <a:bodyPr rtlCol="0" anchor="ctr"/>
-          <a:lstStyle/>
-          <a:p>
-            <a:pPr algn="ctr"/>
-            <a:r>
-              <a:rPr lang="en-US" dirty="0" err="1" smtClean="0"/>
-              <a:t>FirstName</a:t>
-            </a:r>
-            <a:endParaRPr lang="en-US" dirty="0"/>
-          </a:p>
-        </p:txBody>
-      </p:sp>
-      <p:sp>
-        <p:nvSpPr>
-          <p:cNvPr id="12" name="Rounded Rectangle 11"/>
-          <p:cNvSpPr/>
-          <p:nvPr/>
-        </p:nvSpPr>
-        <p:spPr>
-          <a:xfrm>
-            <a:off x="8901360" y="3568851"/>
-            <a:ext cx="2689411" cy="527124"/>
-          </a:xfrm>
-          <a:prstGeom prst="roundRect">
-            <a:avLst/>
-          </a:prstGeom>
-        </p:spPr>
-        <p:style>
-          <a:lnRef idx="0">
-            <a:schemeClr val="accent5"/>
-          </a:lnRef>
-          <a:fillRef idx="3">
-            <a:schemeClr val="accent5"/>
-          </a:fillRef>
-          <a:effectRef idx="3">
-            <a:schemeClr val="accent5"/>
-          </a:effectRef>
-          <a:fontRef idx="minor">
-            <a:schemeClr val="lt1"/>
-          </a:fontRef>
-        </p:style>
-        <p:txBody>
-          <a:bodyPr rtlCol="0" anchor="ctr"/>
-          <a:lstStyle/>
-          <a:p>
-            <a:pPr algn="ctr"/>
-            <a:r>
-              <a:rPr lang="en-US" dirty="0" smtClean="0"/>
-              <a:t>Email</a:t>
-            </a:r>
-            <a:endParaRPr lang="en-US" dirty="0"/>
-          </a:p>
-        </p:txBody>
-      </p:sp>
-      <p:sp>
-        <p:nvSpPr>
-          <p:cNvPr id="13" name="Rounded Rectangle 12"/>
-          <p:cNvSpPr/>
-          <p:nvPr/>
-        </p:nvSpPr>
-        <p:spPr>
-          <a:xfrm>
-            <a:off x="8901360" y="2899636"/>
-            <a:ext cx="2689411" cy="527124"/>
-          </a:xfrm>
-          <a:prstGeom prst="roundRect">
-            <a:avLst/>
-          </a:prstGeom>
-        </p:spPr>
-        <p:style>
-          <a:lnRef idx="0">
-            <a:schemeClr val="accent5"/>
-          </a:lnRef>
-          <a:fillRef idx="3">
-            <a:schemeClr val="accent5"/>
-          </a:fillRef>
-          <a:effectRef idx="3">
-            <a:schemeClr val="accent5"/>
-          </a:effectRef>
-          <a:fontRef idx="minor">
-            <a:schemeClr val="lt1"/>
-          </a:fontRef>
-        </p:style>
-        <p:txBody>
-          <a:bodyPr rtlCol="0" anchor="ctr"/>
-          <a:lstStyle/>
-          <a:p>
-            <a:pPr algn="ctr"/>
-            <a:r>
-              <a:rPr lang="en-US" dirty="0" err="1" smtClean="0"/>
-              <a:t>LastName</a:t>
-            </a:r>
-            <a:endParaRPr lang="en-US" dirty="0"/>
-          </a:p>
-        </p:txBody>
-      </p:sp>
-      <p:sp>
-        <p:nvSpPr>
-          <p:cNvPr id="14" name="Rounded Rectangle 13"/>
-          <p:cNvSpPr/>
-          <p:nvPr/>
-        </p:nvSpPr>
-        <p:spPr>
-          <a:xfrm>
-            <a:off x="8901359" y="4234480"/>
-            <a:ext cx="2689411" cy="527124"/>
-          </a:xfrm>
-          <a:prstGeom prst="roundRect">
-            <a:avLst/>
-          </a:prstGeom>
-        </p:spPr>
-        <p:style>
-          <a:lnRef idx="0">
-            <a:schemeClr val="accent5"/>
-          </a:lnRef>
-          <a:fillRef idx="3">
-            <a:schemeClr val="accent5"/>
-          </a:fillRef>
-          <a:effectRef idx="3">
-            <a:schemeClr val="accent5"/>
-          </a:effectRef>
-          <a:fontRef idx="minor">
-            <a:schemeClr val="lt1"/>
-          </a:fontRef>
-        </p:style>
-        <p:txBody>
-          <a:bodyPr rtlCol="0" anchor="ctr"/>
-          <a:lstStyle/>
-          <a:p>
-            <a:pPr algn="ctr"/>
-            <a:r>
-              <a:rPr lang="en-US" dirty="0" err="1" smtClean="0"/>
-              <a:t>LoadUser</a:t>
-            </a:r>
-            <a:r>
-              <a:rPr lang="en-US" dirty="0" smtClean="0"/>
-              <a:t>()</a:t>
-            </a:r>
-            <a:endParaRPr lang="en-US" dirty="0"/>
-          </a:p>
-        </p:txBody>
-      </p:sp>
-      <p:sp>
-        <p:nvSpPr>
-          <p:cNvPr id="15" name="Rounded Rectangle 14"/>
-          <p:cNvSpPr/>
-          <p:nvPr/>
-        </p:nvSpPr>
-        <p:spPr>
-          <a:xfrm>
-            <a:off x="8901359" y="4900109"/>
-            <a:ext cx="2689411" cy="527124"/>
-          </a:xfrm>
-          <a:prstGeom prst="roundRect">
-            <a:avLst/>
-          </a:prstGeom>
-        </p:spPr>
-        <p:style>
-          <a:lnRef idx="0">
-            <a:schemeClr val="accent5"/>
-          </a:lnRef>
-          <a:fillRef idx="3">
-            <a:schemeClr val="accent5"/>
-          </a:fillRef>
-          <a:effectRef idx="3">
-            <a:schemeClr val="accent5"/>
-          </a:effectRef>
-          <a:fontRef idx="minor">
-            <a:schemeClr val="lt1"/>
-          </a:fontRef>
-        </p:style>
-        <p:txBody>
-          <a:bodyPr rtlCol="0" anchor="ctr"/>
-          <a:lstStyle/>
-          <a:p>
-            <a:pPr algn="ctr"/>
-            <a:r>
-              <a:rPr lang="en-US" dirty="0" err="1" smtClean="0"/>
-              <a:t>SaveUser</a:t>
-            </a:r>
-            <a:r>
-              <a:rPr lang="en-US" dirty="0" smtClean="0"/>
-              <a:t>()</a:t>
-            </a:r>
-            <a:endParaRPr lang="en-US" dirty="0"/>
-          </a:p>
-        </p:txBody>
-      </p:sp>
-    </p:spTree>
-    <p:extLst>
-      <p:ext uri="{BB962C8B-B14F-4D97-AF65-F5344CB8AC3E}">
-        <p14:creationId xmlns:p14="http://schemas.microsoft.com/office/powerpoint/2010/main" val="17314703"/>
-      </p:ext>
-    </p:extLst>
-  </p:cSld>
-  <p:clrMapOvr>
-    <a:masterClrMapping/>
-  </p:clrMapOvr>
-  <mc:AlternateContent xmlns:mc="http://schemas.openxmlformats.org/markup-compatibility/2006" xmlns:p14="http://schemas.microsoft.com/office/powerpoint/2010/main">
-    <mc:Choice Requires="p14">
-      <p:transition spd="slow" p14:dur="2000"/>
-    </mc:Choice>
-    <mc:Fallback xmlns="">
-      <p:transition spd="slow"/>
-    </mc:Fallback>
-  </mc:AlternateContent>
-</p:sld>
-</file>
-
-<file path=ppt/slides/slide18.xml><?xml version="1.0" encoding="utf-8"?>
-<p:sld xmlns:a="http://schemas.openxmlformats.org/drawingml/2006/main" xmlns:r="http://schemas.openxmlformats.org/officeDocument/2006/relationships" xmlns:p="http://schemas.openxmlformats.org/presentationml/2006/main" show="0">
-  <p:cSld>
-    <p:spTree>
-      <p:nvGrpSpPr>
-        <p:cNvPr id="1" name=""/>
-        <p:cNvGrpSpPr/>
-        <p:nvPr/>
-      </p:nvGrpSpPr>
-      <p:grpSpPr>
-        <a:xfrm>
-          <a:off x="0" y="0"/>
-          <a:ext cx="0" cy="0"/>
-          <a:chOff x="0" y="0"/>
-          <a:chExt cx="0" cy="0"/>
-        </a:xfrm>
-      </p:grpSpPr>
-      <p:sp>
-        <p:nvSpPr>
-          <p:cNvPr id="2" name="Title 1"/>
-          <p:cNvSpPr>
-            <a:spLocks noGrp="1"/>
-          </p:cNvSpPr>
-          <p:nvPr>
-            <p:ph type="title"/>
-          </p:nvPr>
-        </p:nvSpPr>
-        <p:spPr>
-          <a:xfrm>
-            <a:off x="379514" y="182215"/>
-            <a:ext cx="7850086" cy="1063487"/>
-          </a:xfrm>
-        </p:spPr>
-        <p:txBody>
-          <a:bodyPr>
-            <a:normAutofit fontScale="90000"/>
-          </a:bodyPr>
-          <a:lstStyle/>
-          <a:p>
-            <a:r>
-              <a:rPr lang="en-US" dirty="0"/>
-              <a:t>TODO: Make slides about components and unidirectional data flow</a:t>
-            </a:r>
-          </a:p>
-        </p:txBody>
-      </p:sp>
-      <p:sp>
-        <p:nvSpPr>
-          <p:cNvPr id="4" name="Rounded Rectangle 3"/>
-          <p:cNvSpPr/>
-          <p:nvPr/>
-        </p:nvSpPr>
-        <p:spPr>
-          <a:xfrm>
-            <a:off x="379514" y="2637418"/>
-            <a:ext cx="3679115" cy="2173044"/>
-          </a:xfrm>
-          <a:prstGeom prst="roundRect">
-            <a:avLst>
-              <a:gd name="adj" fmla="val 11262"/>
-            </a:avLst>
-          </a:prstGeom>
-        </p:spPr>
-        <p:style>
-          <a:lnRef idx="1">
-            <a:schemeClr val="accent4"/>
-          </a:lnRef>
-          <a:fillRef idx="2">
-            <a:schemeClr val="accent4"/>
-          </a:fillRef>
-          <a:effectRef idx="1">
-            <a:schemeClr val="accent4"/>
-          </a:effectRef>
-          <a:fontRef idx="minor">
-            <a:schemeClr val="dk1"/>
-          </a:fontRef>
-        </p:style>
-        <p:txBody>
-          <a:bodyPr rtlCol="0" anchor="ctr"/>
-          <a:lstStyle/>
-          <a:p>
-            <a:pPr algn="ctr"/>
-            <a:r>
-              <a:rPr lang="en-US" b="1" dirty="0" smtClean="0"/>
-              <a:t>View</a:t>
-            </a:r>
-          </a:p>
-          <a:p>
-            <a:pPr algn="ctr"/>
-            <a:endParaRPr lang="en-US" dirty="0"/>
-          </a:p>
-          <a:p>
-            <a:pPr algn="ctr"/>
-            <a:endParaRPr lang="en-US" dirty="0" smtClean="0"/>
-          </a:p>
-          <a:p>
-            <a:pPr algn="ctr"/>
-            <a:endParaRPr lang="en-US" dirty="0"/>
-          </a:p>
-          <a:p>
-            <a:pPr algn="ctr"/>
-            <a:endParaRPr lang="en-US" dirty="0" smtClean="0"/>
-          </a:p>
-          <a:p>
-            <a:pPr algn="ctr"/>
-            <a:endParaRPr lang="en-US" dirty="0"/>
-          </a:p>
-          <a:p>
-            <a:pPr algn="ctr"/>
-            <a:endParaRPr lang="en-US" dirty="0"/>
-          </a:p>
-        </p:txBody>
-      </p:sp>
-      <p:sp>
-        <p:nvSpPr>
-          <p:cNvPr id="5" name="Rounded Rectangle 4"/>
-          <p:cNvSpPr/>
-          <p:nvPr/>
-        </p:nvSpPr>
-        <p:spPr>
-          <a:xfrm>
-            <a:off x="938911" y="3196816"/>
-            <a:ext cx="2689411" cy="527124"/>
-          </a:xfrm>
-          <a:prstGeom prst="roundRect">
-            <a:avLst/>
-          </a:prstGeom>
-        </p:spPr>
-        <p:style>
-          <a:lnRef idx="0">
-            <a:schemeClr val="accent4"/>
-          </a:lnRef>
-          <a:fillRef idx="3">
-            <a:schemeClr val="accent4"/>
-          </a:fillRef>
-          <a:effectRef idx="3">
-            <a:schemeClr val="accent4"/>
-          </a:effectRef>
-          <a:fontRef idx="minor">
-            <a:schemeClr val="lt1"/>
-          </a:fontRef>
-        </p:style>
-        <p:txBody>
-          <a:bodyPr rtlCol="0" anchor="ctr"/>
-          <a:lstStyle/>
-          <a:p>
-            <a:pPr algn="ctr"/>
-            <a:r>
-              <a:rPr lang="en-US" dirty="0" smtClean="0"/>
-              <a:t>Developer</a:t>
-            </a:r>
-            <a:endParaRPr lang="en-US" dirty="0"/>
-          </a:p>
-        </p:txBody>
-      </p:sp>
-      <p:sp>
-        <p:nvSpPr>
-          <p:cNvPr id="6" name="Rounded Rectangle 5"/>
-          <p:cNvSpPr/>
-          <p:nvPr/>
-        </p:nvSpPr>
-        <p:spPr>
-          <a:xfrm>
-            <a:off x="938912" y="3955228"/>
-            <a:ext cx="2689411" cy="527124"/>
-          </a:xfrm>
-          <a:prstGeom prst="roundRect">
-            <a:avLst/>
-          </a:prstGeom>
-        </p:spPr>
-        <p:style>
-          <a:lnRef idx="0">
-            <a:schemeClr val="accent4"/>
-          </a:lnRef>
-          <a:fillRef idx="3">
-            <a:schemeClr val="accent4"/>
-          </a:fillRef>
-          <a:effectRef idx="3">
-            <a:schemeClr val="accent4"/>
-          </a:effectRef>
-          <a:fontRef idx="minor">
-            <a:schemeClr val="lt1"/>
-          </a:fontRef>
-        </p:style>
-        <p:txBody>
-          <a:bodyPr rtlCol="0" anchor="ctr"/>
-          <a:lstStyle/>
-          <a:p>
-            <a:pPr algn="ctr"/>
-            <a:r>
-              <a:rPr lang="en-US" dirty="0" smtClean="0"/>
-              <a:t>Bugs</a:t>
-            </a:r>
-            <a:endParaRPr lang="en-US" dirty="0"/>
-          </a:p>
-        </p:txBody>
-      </p:sp>
-      <p:sp>
-        <p:nvSpPr>
-          <p:cNvPr id="7" name="Rounded Rectangle 6"/>
-          <p:cNvSpPr/>
-          <p:nvPr/>
-        </p:nvSpPr>
-        <p:spPr>
-          <a:xfrm>
-            <a:off x="4393012" y="2637418"/>
-            <a:ext cx="3679115" cy="2173044"/>
-          </a:xfrm>
-          <a:prstGeom prst="roundRect">
-            <a:avLst>
-              <a:gd name="adj" fmla="val 11262"/>
-            </a:avLst>
-          </a:prstGeom>
-        </p:spPr>
-        <p:style>
-          <a:lnRef idx="1">
-            <a:schemeClr val="accent3"/>
-          </a:lnRef>
-          <a:fillRef idx="2">
-            <a:schemeClr val="accent3"/>
-          </a:fillRef>
-          <a:effectRef idx="1">
-            <a:schemeClr val="accent3"/>
-          </a:effectRef>
-          <a:fontRef idx="minor">
-            <a:schemeClr val="dk1"/>
-          </a:fontRef>
-        </p:style>
-        <p:txBody>
-          <a:bodyPr rtlCol="0" anchor="ctr"/>
-          <a:lstStyle/>
-          <a:p>
-            <a:pPr algn="ctr"/>
-            <a:r>
-              <a:rPr lang="en-US" b="1" dirty="0" smtClean="0"/>
-              <a:t>View Model</a:t>
-            </a:r>
-          </a:p>
-          <a:p>
-            <a:pPr algn="ctr"/>
-            <a:endParaRPr lang="en-US" dirty="0"/>
-          </a:p>
-          <a:p>
-            <a:pPr algn="ctr"/>
-            <a:endParaRPr lang="en-US" dirty="0" smtClean="0"/>
-          </a:p>
-          <a:p>
-            <a:pPr algn="ctr"/>
-            <a:endParaRPr lang="en-US" dirty="0"/>
-          </a:p>
-          <a:p>
-            <a:pPr algn="ctr"/>
-            <a:endParaRPr lang="en-US" dirty="0" smtClean="0"/>
-          </a:p>
-          <a:p>
-            <a:pPr algn="ctr"/>
-            <a:endParaRPr lang="en-US" dirty="0"/>
-          </a:p>
-          <a:p>
-            <a:pPr algn="ctr"/>
-            <a:endParaRPr lang="en-US" dirty="0"/>
-          </a:p>
-        </p:txBody>
-      </p:sp>
-      <p:sp>
-        <p:nvSpPr>
-          <p:cNvPr id="8" name="Rounded Rectangle 7"/>
-          <p:cNvSpPr/>
-          <p:nvPr/>
-        </p:nvSpPr>
-        <p:spPr>
-          <a:xfrm>
-            <a:off x="4920136" y="3196816"/>
-            <a:ext cx="2689411" cy="527124"/>
-          </a:xfrm>
-          <a:prstGeom prst="roundRect">
-            <a:avLst/>
-          </a:prstGeom>
-        </p:spPr>
-        <p:style>
-          <a:lnRef idx="0">
-            <a:schemeClr val="accent3"/>
-          </a:lnRef>
-          <a:fillRef idx="3">
-            <a:schemeClr val="accent3"/>
-          </a:fillRef>
-          <a:effectRef idx="3">
-            <a:schemeClr val="accent3"/>
-          </a:effectRef>
-          <a:fontRef idx="minor">
-            <a:schemeClr val="lt1"/>
-          </a:fontRef>
-        </p:style>
-        <p:txBody>
-          <a:bodyPr rtlCol="0" anchor="ctr"/>
-          <a:lstStyle/>
-          <a:p>
-            <a:pPr algn="ctr"/>
-            <a:r>
-              <a:rPr lang="en-US" dirty="0" smtClean="0"/>
-              <a:t>Developer</a:t>
-            </a:r>
-            <a:endParaRPr lang="en-US" dirty="0"/>
-          </a:p>
-        </p:txBody>
-      </p:sp>
-      <p:sp>
-        <p:nvSpPr>
-          <p:cNvPr id="9" name="Rounded Rectangle 8"/>
-          <p:cNvSpPr/>
-          <p:nvPr/>
-        </p:nvSpPr>
-        <p:spPr>
-          <a:xfrm>
-            <a:off x="4920137" y="3955228"/>
-            <a:ext cx="2689411" cy="527124"/>
-          </a:xfrm>
-          <a:prstGeom prst="roundRect">
-            <a:avLst/>
-          </a:prstGeom>
-        </p:spPr>
-        <p:style>
-          <a:lnRef idx="0">
-            <a:schemeClr val="accent3"/>
-          </a:lnRef>
-          <a:fillRef idx="3">
-            <a:schemeClr val="accent3"/>
-          </a:fillRef>
-          <a:effectRef idx="3">
-            <a:schemeClr val="accent3"/>
-          </a:effectRef>
-          <a:fontRef idx="minor">
-            <a:schemeClr val="lt1"/>
-          </a:fontRef>
-        </p:style>
-        <p:txBody>
-          <a:bodyPr rtlCol="0" anchor="ctr"/>
-          <a:lstStyle/>
-          <a:p>
-            <a:pPr algn="ctr"/>
-            <a:r>
-              <a:rPr lang="en-US" dirty="0" smtClean="0"/>
-              <a:t>Bugs[]</a:t>
-            </a:r>
-            <a:endParaRPr lang="en-US" dirty="0"/>
-          </a:p>
-        </p:txBody>
-      </p:sp>
-      <p:grpSp>
-        <p:nvGrpSpPr>
-          <p:cNvPr id="38" name="Group 37"/>
-          <p:cNvGrpSpPr/>
-          <p:nvPr/>
-        </p:nvGrpSpPr>
-        <p:grpSpPr>
-          <a:xfrm>
-            <a:off x="8512885" y="3506254"/>
-            <a:ext cx="3391061" cy="3194348"/>
-            <a:chOff x="6297113" y="561192"/>
-            <a:chExt cx="3679115" cy="3481086"/>
-          </a:xfrm>
-        </p:grpSpPr>
-        <p:sp>
-          <p:nvSpPr>
-            <p:cNvPr id="10" name="Rounded Rectangle 9"/>
-            <p:cNvSpPr/>
-            <p:nvPr/>
-          </p:nvSpPr>
-          <p:spPr>
-            <a:xfrm>
-              <a:off x="6297113" y="561192"/>
-              <a:ext cx="3679115" cy="3481086"/>
-            </a:xfrm>
-            <a:prstGeom prst="roundRect">
-              <a:avLst>
-                <a:gd name="adj" fmla="val 11262"/>
-              </a:avLst>
-            </a:prstGeom>
-          </p:spPr>
-          <p:style>
-            <a:lnRef idx="1">
-              <a:schemeClr val="accent5"/>
-            </a:lnRef>
-            <a:fillRef idx="2">
-              <a:schemeClr val="accent5"/>
-            </a:fillRef>
-            <a:effectRef idx="1">
-              <a:schemeClr val="accent5"/>
-            </a:effectRef>
-            <a:fontRef idx="minor">
-              <a:schemeClr val="dk1"/>
-            </a:fontRef>
-          </p:style>
-          <p:txBody>
-            <a:bodyPr rtlCol="0" anchor="ctr"/>
-            <a:lstStyle/>
-            <a:p>
-              <a:pPr algn="ctr"/>
-              <a:r>
-                <a:rPr lang="en-US" b="1" dirty="0" smtClean="0"/>
-                <a:t>Bug Model</a:t>
-              </a:r>
-            </a:p>
-            <a:p>
-              <a:pPr algn="ctr"/>
-              <a:endParaRPr lang="en-US" b="1" dirty="0"/>
-            </a:p>
-            <a:p>
-              <a:pPr algn="ctr"/>
-              <a:endParaRPr lang="en-US" b="1" dirty="0" smtClean="0"/>
-            </a:p>
-            <a:p>
-              <a:pPr algn="ctr"/>
-              <a:endParaRPr lang="en-US" b="1" dirty="0"/>
-            </a:p>
-            <a:p>
-              <a:pPr algn="ctr"/>
-              <a:endParaRPr lang="en-US" b="1" dirty="0" smtClean="0"/>
-            </a:p>
-            <a:p>
-              <a:pPr algn="ctr"/>
-              <a:endParaRPr lang="en-US" dirty="0"/>
-            </a:p>
-            <a:p>
-              <a:pPr algn="ctr"/>
-              <a:endParaRPr lang="en-US" dirty="0" smtClean="0"/>
-            </a:p>
-            <a:p>
-              <a:pPr algn="ctr"/>
-              <a:endParaRPr lang="en-US" dirty="0"/>
-            </a:p>
-            <a:p>
-              <a:pPr algn="ctr"/>
-              <a:endParaRPr lang="en-US" dirty="0" smtClean="0"/>
-            </a:p>
-            <a:p>
-              <a:pPr algn="ctr"/>
-              <a:endParaRPr lang="en-US" dirty="0"/>
-            </a:p>
-            <a:p>
-              <a:pPr algn="ctr"/>
-              <a:endParaRPr lang="en-US" dirty="0"/>
-            </a:p>
-          </p:txBody>
-        </p:sp>
-        <p:sp>
-          <p:nvSpPr>
-            <p:cNvPr id="11" name="Rounded Rectangle 10"/>
-            <p:cNvSpPr/>
-            <p:nvPr/>
-          </p:nvSpPr>
-          <p:spPr>
-            <a:xfrm>
-              <a:off x="6791964" y="1143900"/>
-              <a:ext cx="2689411" cy="527124"/>
-            </a:xfrm>
-            <a:prstGeom prst="roundRect">
-              <a:avLst/>
-            </a:prstGeom>
-          </p:spPr>
-          <p:style>
-            <a:lnRef idx="0">
-              <a:schemeClr val="accent5"/>
-            </a:lnRef>
-            <a:fillRef idx="3">
-              <a:schemeClr val="accent5"/>
-            </a:fillRef>
-            <a:effectRef idx="3">
-              <a:schemeClr val="accent5"/>
-            </a:effectRef>
-            <a:fontRef idx="minor">
-              <a:schemeClr val="lt1"/>
-            </a:fontRef>
-          </p:style>
-          <p:txBody>
-            <a:bodyPr rtlCol="0" anchor="ctr"/>
-            <a:lstStyle/>
-            <a:p>
-              <a:pPr algn="ctr"/>
-              <a:r>
-                <a:rPr lang="en-US" dirty="0" smtClean="0"/>
-                <a:t>Title</a:t>
-              </a:r>
-              <a:endParaRPr lang="en-US" dirty="0"/>
-            </a:p>
-          </p:txBody>
-        </p:sp>
-        <p:sp>
-          <p:nvSpPr>
-            <p:cNvPr id="12" name="Rounded Rectangle 11"/>
-            <p:cNvSpPr/>
-            <p:nvPr/>
-          </p:nvSpPr>
-          <p:spPr>
-            <a:xfrm>
-              <a:off x="6791963" y="2482329"/>
-              <a:ext cx="2689411" cy="527124"/>
-            </a:xfrm>
-            <a:prstGeom prst="roundRect">
-              <a:avLst/>
-            </a:prstGeom>
-          </p:spPr>
-          <p:style>
-            <a:lnRef idx="0">
-              <a:schemeClr val="accent5"/>
-            </a:lnRef>
-            <a:fillRef idx="3">
-              <a:schemeClr val="accent5"/>
-            </a:fillRef>
-            <a:effectRef idx="3">
-              <a:schemeClr val="accent5"/>
-            </a:effectRef>
-            <a:fontRef idx="minor">
-              <a:schemeClr val="lt1"/>
-            </a:fontRef>
-          </p:style>
-          <p:txBody>
-            <a:bodyPr rtlCol="0" anchor="ctr"/>
-            <a:lstStyle/>
-            <a:p>
-              <a:pPr algn="ctr"/>
-              <a:r>
-                <a:rPr lang="en-US" dirty="0" smtClean="0"/>
-                <a:t>Developer</a:t>
-              </a:r>
-              <a:endParaRPr lang="en-US" dirty="0"/>
-            </a:p>
-          </p:txBody>
-        </p:sp>
-        <p:sp>
-          <p:nvSpPr>
-            <p:cNvPr id="13" name="Rounded Rectangle 12"/>
-            <p:cNvSpPr/>
-            <p:nvPr/>
-          </p:nvSpPr>
-          <p:spPr>
-            <a:xfrm>
-              <a:off x="6791963" y="1813114"/>
-              <a:ext cx="2689411" cy="527124"/>
-            </a:xfrm>
-            <a:prstGeom prst="roundRect">
-              <a:avLst/>
-            </a:prstGeom>
-          </p:spPr>
-          <p:style>
-            <a:lnRef idx="0">
-              <a:schemeClr val="accent5"/>
-            </a:lnRef>
-            <a:fillRef idx="3">
-              <a:schemeClr val="accent5"/>
-            </a:fillRef>
-            <a:effectRef idx="3">
-              <a:schemeClr val="accent5"/>
-            </a:effectRef>
-            <a:fontRef idx="minor">
-              <a:schemeClr val="lt1"/>
-            </a:fontRef>
-          </p:style>
-          <p:txBody>
-            <a:bodyPr rtlCol="0" anchor="ctr"/>
-            <a:lstStyle/>
-            <a:p>
-              <a:pPr algn="ctr"/>
-              <a:r>
-                <a:rPr lang="en-US" dirty="0" smtClean="0"/>
-                <a:t>Description</a:t>
-              </a:r>
-              <a:endParaRPr lang="en-US" dirty="0"/>
-            </a:p>
-          </p:txBody>
-        </p:sp>
-        <p:sp>
-          <p:nvSpPr>
-            <p:cNvPr id="14" name="Rounded Rectangle 13"/>
-            <p:cNvSpPr/>
-            <p:nvPr/>
-          </p:nvSpPr>
-          <p:spPr>
-            <a:xfrm>
-              <a:off x="6791962" y="3147958"/>
-              <a:ext cx="2689411" cy="527124"/>
-            </a:xfrm>
-            <a:prstGeom prst="roundRect">
-              <a:avLst/>
-            </a:prstGeom>
-          </p:spPr>
-          <p:style>
-            <a:lnRef idx="0">
-              <a:schemeClr val="accent5"/>
-            </a:lnRef>
-            <a:fillRef idx="3">
-              <a:schemeClr val="accent5"/>
-            </a:fillRef>
-            <a:effectRef idx="3">
-              <a:schemeClr val="accent5"/>
-            </a:effectRef>
-            <a:fontRef idx="minor">
-              <a:schemeClr val="lt1"/>
-            </a:fontRef>
-          </p:style>
-          <p:txBody>
-            <a:bodyPr rtlCol="0" anchor="ctr"/>
-            <a:lstStyle/>
-            <a:p>
-              <a:pPr algn="ctr"/>
-              <a:r>
-                <a:rPr lang="en-US" dirty="0" smtClean="0"/>
-                <a:t>Load() / Save()</a:t>
-              </a:r>
-              <a:endParaRPr lang="en-US" dirty="0"/>
-            </a:p>
-          </p:txBody>
-        </p:sp>
-      </p:grpSp>
-      <p:grpSp>
-        <p:nvGrpSpPr>
-          <p:cNvPr id="37" name="Group 36"/>
-          <p:cNvGrpSpPr/>
-          <p:nvPr/>
-        </p:nvGrpSpPr>
-        <p:grpSpPr>
-          <a:xfrm>
-            <a:off x="8512884" y="45068"/>
-            <a:ext cx="3391061" cy="3341266"/>
-            <a:chOff x="9545921" y="2790356"/>
-            <a:chExt cx="3679115" cy="3475533"/>
-          </a:xfrm>
-        </p:grpSpPr>
-        <p:sp>
-          <p:nvSpPr>
-            <p:cNvPr id="31" name="Rounded Rectangle 30"/>
-            <p:cNvSpPr/>
-            <p:nvPr/>
-          </p:nvSpPr>
-          <p:spPr>
-            <a:xfrm>
-              <a:off x="9545921" y="2790356"/>
-              <a:ext cx="3679115" cy="3475533"/>
-            </a:xfrm>
-            <a:prstGeom prst="roundRect">
-              <a:avLst>
-                <a:gd name="adj" fmla="val 11262"/>
-              </a:avLst>
-            </a:prstGeom>
-          </p:spPr>
-          <p:style>
-            <a:lnRef idx="1">
-              <a:schemeClr val="accent5"/>
-            </a:lnRef>
-            <a:fillRef idx="2">
-              <a:schemeClr val="accent5"/>
-            </a:fillRef>
-            <a:effectRef idx="1">
-              <a:schemeClr val="accent5"/>
-            </a:effectRef>
-            <a:fontRef idx="minor">
-              <a:schemeClr val="dk1"/>
-            </a:fontRef>
-          </p:style>
-          <p:txBody>
-            <a:bodyPr rtlCol="0" anchor="ctr"/>
-            <a:lstStyle/>
-            <a:p>
-              <a:pPr algn="ctr"/>
-              <a:r>
-                <a:rPr lang="en-US" b="1" dirty="0" smtClean="0"/>
-                <a:t>Person Model</a:t>
-              </a:r>
-            </a:p>
-            <a:p>
-              <a:pPr algn="ctr"/>
-              <a:endParaRPr lang="en-US" b="1" dirty="0" smtClean="0"/>
-            </a:p>
-            <a:p>
-              <a:pPr algn="ctr"/>
-              <a:endParaRPr lang="en-US" b="1" dirty="0"/>
-            </a:p>
-            <a:p>
-              <a:pPr algn="ctr"/>
-              <a:endParaRPr lang="en-US" b="1" dirty="0" smtClean="0"/>
-            </a:p>
-            <a:p>
-              <a:pPr algn="ctr"/>
-              <a:endParaRPr lang="en-US" b="1" dirty="0"/>
-            </a:p>
-            <a:p>
-              <a:pPr algn="ctr"/>
-              <a:endParaRPr lang="en-US" b="1" dirty="0" smtClean="0"/>
-            </a:p>
-            <a:p>
-              <a:pPr algn="ctr"/>
-              <a:endParaRPr lang="en-US" dirty="0"/>
-            </a:p>
-            <a:p>
-              <a:pPr algn="ctr"/>
-              <a:endParaRPr lang="en-US" dirty="0" smtClean="0"/>
-            </a:p>
-            <a:p>
-              <a:pPr algn="ctr"/>
-              <a:endParaRPr lang="en-US" dirty="0"/>
-            </a:p>
-            <a:p>
-              <a:pPr algn="ctr"/>
-              <a:endParaRPr lang="en-US" dirty="0" smtClean="0"/>
-            </a:p>
-            <a:p>
-              <a:pPr algn="ctr"/>
-              <a:endParaRPr lang="en-US" dirty="0"/>
-            </a:p>
-            <a:p>
-              <a:pPr algn="ctr"/>
-              <a:endParaRPr lang="en-US" dirty="0"/>
-            </a:p>
-          </p:txBody>
-        </p:sp>
-        <p:sp>
-          <p:nvSpPr>
-            <p:cNvPr id="32" name="Rounded Rectangle 31"/>
-            <p:cNvSpPr/>
-            <p:nvPr/>
-          </p:nvSpPr>
-          <p:spPr>
-            <a:xfrm>
-              <a:off x="10040772" y="3373064"/>
-              <a:ext cx="2689411" cy="527124"/>
-            </a:xfrm>
-            <a:prstGeom prst="roundRect">
-              <a:avLst/>
-            </a:prstGeom>
-          </p:spPr>
-          <p:style>
-            <a:lnRef idx="0">
-              <a:schemeClr val="accent5"/>
-            </a:lnRef>
-            <a:fillRef idx="3">
-              <a:schemeClr val="accent5"/>
-            </a:fillRef>
-            <a:effectRef idx="3">
-              <a:schemeClr val="accent5"/>
-            </a:effectRef>
-            <a:fontRef idx="minor">
-              <a:schemeClr val="lt1"/>
-            </a:fontRef>
-          </p:style>
-          <p:txBody>
-            <a:bodyPr rtlCol="0" anchor="ctr"/>
-            <a:lstStyle/>
-            <a:p>
-              <a:pPr algn="ctr"/>
-              <a:r>
-                <a:rPr lang="en-US" dirty="0" err="1" smtClean="0"/>
-                <a:t>FirstName</a:t>
-              </a:r>
-              <a:endParaRPr lang="en-US" dirty="0"/>
-            </a:p>
-          </p:txBody>
-        </p:sp>
-        <p:sp>
-          <p:nvSpPr>
-            <p:cNvPr id="33" name="Rounded Rectangle 32"/>
-            <p:cNvSpPr/>
-            <p:nvPr/>
-          </p:nvSpPr>
-          <p:spPr>
-            <a:xfrm>
-              <a:off x="10040771" y="4711493"/>
-              <a:ext cx="2689411" cy="527124"/>
-            </a:xfrm>
-            <a:prstGeom prst="roundRect">
-              <a:avLst/>
-            </a:prstGeom>
-          </p:spPr>
-          <p:style>
-            <a:lnRef idx="0">
-              <a:schemeClr val="accent5"/>
-            </a:lnRef>
-            <a:fillRef idx="3">
-              <a:schemeClr val="accent5"/>
-            </a:fillRef>
-            <a:effectRef idx="3">
-              <a:schemeClr val="accent5"/>
-            </a:effectRef>
-            <a:fontRef idx="minor">
-              <a:schemeClr val="lt1"/>
-            </a:fontRef>
-          </p:style>
-          <p:txBody>
-            <a:bodyPr rtlCol="0" anchor="ctr"/>
-            <a:lstStyle/>
-            <a:p>
-              <a:pPr algn="ctr"/>
-              <a:r>
-                <a:rPr lang="en-US" dirty="0" smtClean="0"/>
-                <a:t>Email</a:t>
-              </a:r>
-              <a:endParaRPr lang="en-US" dirty="0"/>
-            </a:p>
-          </p:txBody>
-        </p:sp>
-        <p:sp>
-          <p:nvSpPr>
-            <p:cNvPr id="34" name="Rounded Rectangle 33"/>
-            <p:cNvSpPr/>
-            <p:nvPr/>
-          </p:nvSpPr>
-          <p:spPr>
-            <a:xfrm>
-              <a:off x="10040771" y="4042278"/>
-              <a:ext cx="2689411" cy="527124"/>
-            </a:xfrm>
-            <a:prstGeom prst="roundRect">
-              <a:avLst/>
-            </a:prstGeom>
-          </p:spPr>
-          <p:style>
-            <a:lnRef idx="0">
-              <a:schemeClr val="accent5"/>
-            </a:lnRef>
-            <a:fillRef idx="3">
-              <a:schemeClr val="accent5"/>
-            </a:fillRef>
-            <a:effectRef idx="3">
-              <a:schemeClr val="accent5"/>
-            </a:effectRef>
-            <a:fontRef idx="minor">
-              <a:schemeClr val="lt1"/>
-            </a:fontRef>
-          </p:style>
-          <p:txBody>
-            <a:bodyPr rtlCol="0" anchor="ctr"/>
-            <a:lstStyle/>
-            <a:p>
-              <a:pPr algn="ctr"/>
-              <a:r>
-                <a:rPr lang="en-US" dirty="0" err="1" smtClean="0"/>
-                <a:t>LastName</a:t>
-              </a:r>
-              <a:endParaRPr lang="en-US" dirty="0"/>
-            </a:p>
-          </p:txBody>
-        </p:sp>
-        <p:sp>
-          <p:nvSpPr>
-            <p:cNvPr id="35" name="Rounded Rectangle 34"/>
-            <p:cNvSpPr/>
-            <p:nvPr/>
-          </p:nvSpPr>
-          <p:spPr>
-            <a:xfrm>
-              <a:off x="10040770" y="5377122"/>
-              <a:ext cx="2689411" cy="527124"/>
-            </a:xfrm>
-            <a:prstGeom prst="roundRect">
-              <a:avLst/>
-            </a:prstGeom>
-          </p:spPr>
-          <p:style>
-            <a:lnRef idx="0">
-              <a:schemeClr val="accent5"/>
-            </a:lnRef>
-            <a:fillRef idx="3">
-              <a:schemeClr val="accent5"/>
-            </a:fillRef>
-            <a:effectRef idx="3">
-              <a:schemeClr val="accent5"/>
-            </a:effectRef>
-            <a:fontRef idx="minor">
-              <a:schemeClr val="lt1"/>
-            </a:fontRef>
-          </p:style>
-          <p:txBody>
-            <a:bodyPr rtlCol="0" anchor="ctr"/>
-            <a:lstStyle/>
-            <a:p>
-              <a:pPr algn="ctr"/>
-              <a:r>
-                <a:rPr lang="en-US" dirty="0" smtClean="0"/>
-                <a:t>Load() / Save()</a:t>
-              </a:r>
-              <a:endParaRPr lang="en-US" dirty="0"/>
-            </a:p>
-          </p:txBody>
-        </p:sp>
-      </p:grpSp>
-    </p:spTree>
-    <p:extLst>
-      <p:ext uri="{BB962C8B-B14F-4D97-AF65-F5344CB8AC3E}">
-        <p14:creationId xmlns:p14="http://schemas.microsoft.com/office/powerpoint/2010/main" val="2456147679"/>
-      </p:ext>
-    </p:extLst>
-  </p:cSld>
-  <p:clrMapOvr>
-    <a:masterClrMapping/>
-  </p:clrMapOvr>
-  <mc:AlternateContent xmlns:mc="http://schemas.openxmlformats.org/markup-compatibility/2006" xmlns:p14="http://schemas.microsoft.com/office/powerpoint/2010/main">
-    <mc:Choice Requires="p14">
-      <p:transition spd="slow" p14:dur="2000"/>
-    </mc:Choice>
-    <mc:Fallback xmlns="">
-      <p:transition spd="slow"/>
-    </mc:Fallback>
-  </mc:AlternateContent>
-</p:sld>
-</file>
-
-<file path=ppt/slides/slide19.xml><?xml version="1.0" encoding="utf-8"?>
+<file path=ppt/slides/slide16.xml><?xml version="1.0" encoding="utf-8"?>
 <p:sld xmlns:a="http://schemas.openxmlformats.org/drawingml/2006/main" xmlns:r="http://schemas.openxmlformats.org/officeDocument/2006/relationships" xmlns:p="http://schemas.openxmlformats.org/presentationml/2006/main">
   <p:cSld>
     <p:spTree>
@@ -10586,6 +8879,111 @@
   <p:clrMapOvr>
     <a:masterClrMapping/>
   </p:clrMapOvr>
+  <p:timing>
+    <p:tnLst>
+      <p:par>
+        <p:cTn id="1" dur="indefinite" restart="never" nodeType="tmRoot"/>
+      </p:par>
+    </p:tnLst>
+  </p:timing>
+</p:sld>
+</file>
+
+<file path=ppt/slides/slide17.xml><?xml version="1.0" encoding="utf-8"?>
+<p:sld xmlns:a="http://schemas.openxmlformats.org/drawingml/2006/main" xmlns:r="http://schemas.openxmlformats.org/officeDocument/2006/relationships" xmlns:p="http://schemas.openxmlformats.org/presentationml/2006/main">
+  <p:cSld>
+    <p:spTree>
+      <p:nvGrpSpPr>
+        <p:cNvPr id="1" name=""/>
+        <p:cNvGrpSpPr/>
+        <p:nvPr/>
+      </p:nvGrpSpPr>
+      <p:grpSpPr>
+        <a:xfrm>
+          <a:off x="0" y="0"/>
+          <a:ext cx="0" cy="0"/>
+          <a:chOff x="0" y="0"/>
+          <a:chExt cx="0" cy="0"/>
+        </a:xfrm>
+      </p:grpSpPr>
+      <p:sp>
+        <p:nvSpPr>
+          <p:cNvPr id="4" name="Title 3"/>
+          <p:cNvSpPr>
+            <a:spLocks noGrp="1"/>
+          </p:cNvSpPr>
+          <p:nvPr>
+            <p:ph type="title"/>
+          </p:nvPr>
+        </p:nvSpPr>
+        <p:spPr/>
+        <p:txBody>
+          <a:bodyPr/>
+          <a:lstStyle/>
+          <a:p>
+            <a:r>
+              <a:rPr lang="en-US" dirty="0" smtClean="0"/>
+              <a:t>Hello, React.js</a:t>
+            </a:r>
+            <a:endParaRPr lang="en-US" dirty="0"/>
+          </a:p>
+        </p:txBody>
+      </p:sp>
+    </p:spTree>
+    <p:extLst>
+      <p:ext uri="{BB962C8B-B14F-4D97-AF65-F5344CB8AC3E}">
+        <p14:creationId xmlns:p14="http://schemas.microsoft.com/office/powerpoint/2010/main" val="1875209163"/>
+      </p:ext>
+    </p:extLst>
+  </p:cSld>
+  <p:clrMapOvr>
+    <a:masterClrMapping/>
+  </p:clrMapOvr>
+  <p:timing>
+    <p:tnLst>
+      <p:par>
+        <p:cTn id="1" dur="indefinite" restart="never" nodeType="tmRoot"/>
+      </p:par>
+    </p:tnLst>
+  </p:timing>
+</p:sld>
+</file>
+
+<file path=ppt/slides/slide18.xml><?xml version="1.0" encoding="utf-8"?>
+<p:sld xmlns:a="http://schemas.openxmlformats.org/drawingml/2006/main" xmlns:r="http://schemas.openxmlformats.org/officeDocument/2006/relationships" xmlns:p="http://schemas.openxmlformats.org/presentationml/2006/main">
+  <p:cSld>
+    <p:spTree>
+      <p:nvGrpSpPr>
+        <p:cNvPr id="1" name=""/>
+        <p:cNvGrpSpPr/>
+        <p:nvPr/>
+      </p:nvGrpSpPr>
+      <p:grpSpPr>
+        <a:xfrm>
+          <a:off x="0" y="0"/>
+          <a:ext cx="0" cy="0"/>
+          <a:chOff x="0" y="0"/>
+          <a:chExt cx="0" cy="0"/>
+        </a:xfrm>
+      </p:grpSpPr>
+    </p:spTree>
+    <p:extLst>
+      <p:ext uri="{BB962C8B-B14F-4D97-AF65-F5344CB8AC3E}">
+        <p14:creationId xmlns:p14="http://schemas.microsoft.com/office/powerpoint/2010/main" val="3634250045"/>
+      </p:ext>
+    </p:extLst>
+  </p:cSld>
+  <p:clrMapOvr>
+    <a:masterClrMapping/>
+  </p:clrMapOvr>
+  <mc:AlternateContent xmlns:mc="http://schemas.openxmlformats.org/markup-compatibility/2006" xmlns:p14="http://schemas.microsoft.com/office/powerpoint/2010/main">
+    <mc:Choice Requires="p14">
+      <p:transition spd="slow" p14:dur="2000"/>
+    </mc:Choice>
+    <mc:Fallback xmlns="">
+      <p:transition spd="slow"/>
+    </mc:Fallback>
+  </mc:AlternateContent>
   <p:timing>
     <p:tnLst>
       <p:par>
@@ -10770,104 +9168,6 @@
     <p:extLst>
       <p:ext uri="{BB962C8B-B14F-4D97-AF65-F5344CB8AC3E}">
         <p14:creationId xmlns:p14="http://schemas.microsoft.com/office/powerpoint/2010/main" val="2573921148"/>
-      </p:ext>
-    </p:extLst>
-  </p:cSld>
-  <p:clrMapOvr>
-    <a:masterClrMapping/>
-  </p:clrMapOvr>
-  <mc:AlternateContent xmlns:mc="http://schemas.openxmlformats.org/markup-compatibility/2006" xmlns:p14="http://schemas.microsoft.com/office/powerpoint/2010/main">
-    <mc:Choice Requires="p14">
-      <p:transition spd="slow" p14:dur="2000"/>
-    </mc:Choice>
-    <mc:Fallback xmlns="">
-      <p:transition spd="slow"/>
-    </mc:Fallback>
-  </mc:AlternateContent>
-  <p:timing>
-    <p:tnLst>
-      <p:par>
-        <p:cTn id="1" dur="indefinite" restart="never" nodeType="tmRoot"/>
-      </p:par>
-    </p:tnLst>
-  </p:timing>
-</p:sld>
-</file>
-
-<file path=ppt/slides/slide20.xml><?xml version="1.0" encoding="utf-8"?>
-<p:sld xmlns:a="http://schemas.openxmlformats.org/drawingml/2006/main" xmlns:r="http://schemas.openxmlformats.org/officeDocument/2006/relationships" xmlns:p="http://schemas.openxmlformats.org/presentationml/2006/main">
-  <p:cSld>
-    <p:spTree>
-      <p:nvGrpSpPr>
-        <p:cNvPr id="1" name=""/>
-        <p:cNvGrpSpPr/>
-        <p:nvPr/>
-      </p:nvGrpSpPr>
-      <p:grpSpPr>
-        <a:xfrm>
-          <a:off x="0" y="0"/>
-          <a:ext cx="0" cy="0"/>
-          <a:chOff x="0" y="0"/>
-          <a:chExt cx="0" cy="0"/>
-        </a:xfrm>
-      </p:grpSpPr>
-      <p:sp>
-        <p:nvSpPr>
-          <p:cNvPr id="4" name="Title 3"/>
-          <p:cNvSpPr>
-            <a:spLocks noGrp="1"/>
-          </p:cNvSpPr>
-          <p:nvPr>
-            <p:ph type="title"/>
-          </p:nvPr>
-        </p:nvSpPr>
-        <p:spPr/>
-        <p:txBody>
-          <a:bodyPr/>
-          <a:lstStyle/>
-          <a:p>
-            <a:r>
-              <a:rPr lang="en-US" dirty="0" smtClean="0"/>
-              <a:t>Hello, React.js</a:t>
-            </a:r>
-            <a:endParaRPr lang="en-US" dirty="0"/>
-          </a:p>
-        </p:txBody>
-      </p:sp>
-    </p:spTree>
-    <p:extLst>
-      <p:ext uri="{BB962C8B-B14F-4D97-AF65-F5344CB8AC3E}">
-        <p14:creationId xmlns:p14="http://schemas.microsoft.com/office/powerpoint/2010/main" val="1875209163"/>
-      </p:ext>
-    </p:extLst>
-  </p:cSld>
-  <p:clrMapOvr>
-    <a:masterClrMapping/>
-  </p:clrMapOvr>
-</p:sld>
-</file>
-
-<file path=ppt/slides/slide21.xml><?xml version="1.0" encoding="utf-8"?>
-<p:sld xmlns:a="http://schemas.openxmlformats.org/drawingml/2006/main" xmlns:r="http://schemas.openxmlformats.org/officeDocument/2006/relationships" xmlns:p="http://schemas.openxmlformats.org/presentationml/2006/main">
-  <p:cSld>
-    <p:spTree>
-      <p:nvGrpSpPr>
-        <p:cNvPr id="1" name=""/>
-        <p:cNvGrpSpPr/>
-        <p:nvPr/>
-      </p:nvGrpSpPr>
-      <p:grpSpPr>
-        <a:xfrm>
-          <a:off x="0" y="0"/>
-          <a:ext cx="0" cy="0"/>
-          <a:chOff x="0" y="0"/>
-          <a:chExt cx="0" cy="0"/>
-        </a:xfrm>
-      </p:grpSpPr>
-    </p:spTree>
-    <p:extLst>
-      <p:ext uri="{BB962C8B-B14F-4D97-AF65-F5344CB8AC3E}">
-        <p14:creationId xmlns:p14="http://schemas.microsoft.com/office/powerpoint/2010/main" val="3634250045"/>
       </p:ext>
     </p:extLst>
   </p:cSld>
@@ -12138,6 +10438,13 @@
   <p:clrMapOvr>
     <a:masterClrMapping/>
   </p:clrMapOvr>
+  <p:timing>
+    <p:tnLst>
+      <p:par>
+        <p:cTn id="1" dur="indefinite" restart="never" nodeType="tmRoot"/>
+      </p:par>
+    </p:tnLst>
+  </p:timing>
 </p:sld>
 </file>
 
@@ -12160,12 +10467,12 @@
       </p:grpSpPr>
       <p:sp>
         <p:nvSpPr>
-          <p:cNvPr id="5" name="Title 4"/>
+          <p:cNvPr id="4" name="Text Placeholder 3"/>
           <p:cNvSpPr>
             <a:spLocks noGrp="1"/>
           </p:cNvSpPr>
           <p:nvPr>
-            <p:ph type="title"/>
+            <p:ph type="body" sz="quarter" idx="10"/>
           </p:nvPr>
         </p:nvSpPr>
         <p:spPr/>
@@ -12174,9 +10481,28 @@
           <a:lstStyle/>
           <a:p>
             <a:r>
-              <a:rPr lang="en-CA" dirty="0" smtClean="0"/>
-              <a:t>What we’ll be building</a:t>
-            </a:r>
+              <a:rPr lang="en-US" dirty="0" smtClean="0"/>
+              <a:t>Why React.js?</a:t>
+            </a:r>
+            <a:endParaRPr lang="en-US" dirty="0"/>
+          </a:p>
+        </p:txBody>
+      </p:sp>
+      <p:sp>
+        <p:nvSpPr>
+          <p:cNvPr id="3" name="Subtitle 2"/>
+          <p:cNvSpPr>
+            <a:spLocks noGrp="1"/>
+          </p:cNvSpPr>
+          <p:nvPr>
+            <p:ph type="subTitle" idx="1"/>
+          </p:nvPr>
+        </p:nvSpPr>
+        <p:spPr/>
+        <p:txBody>
+          <a:bodyPr/>
+          <a:lstStyle/>
+          <a:p>
             <a:endParaRPr lang="en-US" dirty="0"/>
           </a:p>
         </p:txBody>
@@ -12184,7 +10510,7 @@
     </p:spTree>
     <p:extLst>
       <p:ext uri="{BB962C8B-B14F-4D97-AF65-F5344CB8AC3E}">
-        <p14:creationId xmlns:p14="http://schemas.microsoft.com/office/powerpoint/2010/main" val="757686776"/>
+        <p14:creationId xmlns:p14="http://schemas.microsoft.com/office/powerpoint/2010/main" val="4087148463"/>
       </p:ext>
     </p:extLst>
   </p:cSld>
